--- a/2021/statistics-for-business/session-8.pptx
+++ b/2021/statistics-for-business/session-8.pptx
@@ -3617,7 +3617,7 @@
           <a:p>
             <a:fld id="{BAB092CD-4273-444B-8426-8EB57D389A51}" type="datetimeFigureOut">
               <a:rPr lang="es-MX" smtClean="0"/>
-              <a:t>07/12/2021</a:t>
+              <a:t>11/12/2021</a:t>
             </a:fld>
             <a:endParaRPr lang="es-MX" dirty="0"/>
           </a:p>
@@ -3855,7 +3855,7 @@
           <a:p>
             <a:fld id="{BAB092CD-4273-444B-8426-8EB57D389A51}" type="datetimeFigureOut">
               <a:rPr lang="es-MX" smtClean="0"/>
-              <a:t>07/12/2021</a:t>
+              <a:t>11/12/2021</a:t>
             </a:fld>
             <a:endParaRPr lang="es-MX" dirty="0"/>
           </a:p>
@@ -4035,7 +4035,7 @@
           <a:p>
             <a:fld id="{BAB092CD-4273-444B-8426-8EB57D389A51}" type="datetimeFigureOut">
               <a:rPr lang="es-MX" smtClean="0"/>
-              <a:t>07/12/2021</a:t>
+              <a:t>11/12/2021</a:t>
             </a:fld>
             <a:endParaRPr lang="es-MX" dirty="0"/>
           </a:p>
@@ -4205,7 +4205,7 @@
           <a:p>
             <a:fld id="{BAB092CD-4273-444B-8426-8EB57D389A51}" type="datetimeFigureOut">
               <a:rPr lang="es-MX" smtClean="0"/>
-              <a:t>07/12/2021</a:t>
+              <a:t>11/12/2021</a:t>
             </a:fld>
             <a:endParaRPr lang="es-MX" dirty="0"/>
           </a:p>
@@ -4481,7 +4481,7 @@
           <a:p>
             <a:fld id="{BAB092CD-4273-444B-8426-8EB57D389A51}" type="datetimeFigureOut">
               <a:rPr lang="es-MX" smtClean="0"/>
-              <a:t>07/12/2021</a:t>
+              <a:t>11/12/2021</a:t>
             </a:fld>
             <a:endParaRPr lang="es-MX" dirty="0"/>
           </a:p>
@@ -5682,7 +5682,7 @@
           <a:p>
             <a:fld id="{BAB092CD-4273-444B-8426-8EB57D389A51}" type="datetimeFigureOut">
               <a:rPr lang="es-MX" smtClean="0"/>
-              <a:t>07/12/2021</a:t>
+              <a:t>11/12/2021</a:t>
             </a:fld>
             <a:endParaRPr lang="es-MX" dirty="0"/>
           </a:p>
@@ -6072,7 +6072,7 @@
           <a:p>
             <a:fld id="{BAB092CD-4273-444B-8426-8EB57D389A51}" type="datetimeFigureOut">
               <a:rPr lang="es-MX" smtClean="0"/>
-              <a:t>07/12/2021</a:t>
+              <a:t>11/12/2021</a:t>
             </a:fld>
             <a:endParaRPr lang="es-MX" dirty="0"/>
           </a:p>
@@ -6195,7 +6195,7 @@
           <a:p>
             <a:fld id="{BAB092CD-4273-444B-8426-8EB57D389A51}" type="datetimeFigureOut">
               <a:rPr lang="es-MX" smtClean="0"/>
-              <a:t>07/12/2021</a:t>
+              <a:t>11/12/2021</a:t>
             </a:fld>
             <a:endParaRPr lang="es-MX" dirty="0"/>
           </a:p>
@@ -6290,7 +6290,7 @@
           <a:p>
             <a:fld id="{BAB092CD-4273-444B-8426-8EB57D389A51}" type="datetimeFigureOut">
               <a:rPr lang="es-MX" smtClean="0"/>
-              <a:t>07/12/2021</a:t>
+              <a:t>11/12/2021</a:t>
             </a:fld>
             <a:endParaRPr lang="es-MX" dirty="0"/>
           </a:p>
@@ -7053,7 +7053,7 @@
           <a:p>
             <a:fld id="{BAB092CD-4273-444B-8426-8EB57D389A51}" type="datetimeFigureOut">
               <a:rPr lang="es-MX" smtClean="0"/>
-              <a:t>07/12/2021</a:t>
+              <a:t>11/12/2021</a:t>
             </a:fld>
             <a:endParaRPr lang="es-MX" dirty="0"/>
           </a:p>
@@ -7892,7 +7892,7 @@
           <a:p>
             <a:fld id="{BAB092CD-4273-444B-8426-8EB57D389A51}" type="datetimeFigureOut">
               <a:rPr lang="es-MX" smtClean="0"/>
-              <a:t>07/12/2021</a:t>
+              <a:t>11/12/2021</a:t>
             </a:fld>
             <a:endParaRPr lang="es-MX" dirty="0"/>
           </a:p>
@@ -8119,7 +8119,7 @@
           <a:p>
             <a:fld id="{BAB092CD-4273-444B-8426-8EB57D389A51}" type="datetimeFigureOut">
               <a:rPr lang="es-MX" smtClean="0"/>
-              <a:t>07/12/2021</a:t>
+              <a:t>11/12/2021</a:t>
             </a:fld>
             <a:endParaRPr lang="es-MX" dirty="0"/>
           </a:p>
@@ -12442,7 +12442,7 @@
         </p:nvSpPr>
         <p:spPr>
           <a:xfrm>
-            <a:off x="1251678" y="382385"/>
+            <a:off x="1105904" y="0"/>
             <a:ext cx="10178322" cy="1492132"/>
           </a:xfrm>
         </p:spPr>
@@ -12453,10 +12453,9 @@
           <a:lstStyle/>
           <a:p>
             <a:r>
-              <a:rPr lang="en-US"/>
+              <a:rPr lang="en-US" dirty="0"/>
               <a:t>Difference in mean</a:t>
             </a:r>
-            <a:endParaRPr lang="en-US" dirty="0"/>
           </a:p>
         </p:txBody>
       </p:sp>
@@ -12478,14 +12477,14 @@
                 <p:ph idx="1"/>
                 <p:extLst>
                   <p:ext uri="{D42A27DB-BD31-4B8C-83A1-F6EECF244321}">
-                    <p14:modId xmlns:p14="http://schemas.microsoft.com/office/powerpoint/2010/main" val="903376110"/>
+                    <p14:modId xmlns:p14="http://schemas.microsoft.com/office/powerpoint/2010/main" val="4276511036"/>
                   </p:ext>
                 </p:extLst>
               </p:nvPr>
             </p:nvGraphicFramePr>
             <p:xfrm>
-              <a:off x="1731391" y="1581150"/>
-              <a:ext cx="9218896" cy="4663388"/>
+              <a:off x="1105904" y="1051063"/>
+              <a:ext cx="9218896" cy="5312645"/>
             </p:xfrm>
             <a:graphic>
               <a:graphicData uri="http://schemas.openxmlformats.org/drawingml/2006/table">
@@ -12516,7 +12515,7 @@
                         <a:lstStyle/>
                         <a:p>
                           <a:r>
-                            <a:rPr lang="en-US" sz="2000"/>
+                            <a:rPr lang="en-US" sz="2000" dirty="0"/>
                             <a:t>Description</a:t>
                           </a:r>
                         </a:p>
@@ -12654,14 +12653,14 @@
                                       <a:rPr lang="en-US" sz="2000" b="0" i="1" smtClean="0">
                                         <a:latin typeface="Cambria Math" panose="02040503050406030204" pitchFamily="18" charset="0"/>
                                       </a:rPr>
-                                      <m:t>1</m:t>
+                                      <m:t>2</m:t>
                                     </m:r>
                                   </m:sub>
                                 </m:sSub>
                               </m:oMath>
                             </m:oMathPara>
                           </a14:m>
-                          <a:endParaRPr lang="en-US" sz="2000"/>
+                          <a:endParaRPr lang="en-US" sz="2000" dirty="0"/>
                         </a:p>
                       </a:txBody>
                       <a:tcPr marL="60040" marR="60040" marT="30020" marB="30020"/>
@@ -12737,7 +12736,19 @@
                                           <a:rPr lang="en-US" sz="2000" b="0" i="1" smtClean="0">
                                             <a:latin typeface="Cambria Math" panose="02040503050406030204" pitchFamily="18" charset="0"/>
                                           </a:rPr>
+                                          <m:t> </m:t>
+                                        </m:r>
+                                        <m:r>
+                                          <a:rPr lang="en-US" sz="2000" b="0" i="1" smtClean="0">
+                                            <a:latin typeface="Cambria Math" panose="02040503050406030204" pitchFamily="18" charset="0"/>
+                                          </a:rPr>
                                           <m:t>𝑥</m:t>
+                                        </m:r>
+                                        <m:r>
+                                          <a:rPr lang="en-US" sz="2000" b="0" i="1" smtClean="0">
+                                            <a:latin typeface="Cambria Math" panose="02040503050406030204" pitchFamily="18" charset="0"/>
+                                          </a:rPr>
+                                          <m:t> </m:t>
                                         </m:r>
                                       </m:e>
                                     </m:acc>
@@ -12754,7 +12765,7 @@
                               </m:oMath>
                             </m:oMathPara>
                           </a14:m>
-                          <a:endParaRPr lang="en-US" sz="2000"/>
+                          <a:endParaRPr lang="en-US" sz="2000" dirty="0"/>
                         </a:p>
                       </a:txBody>
                       <a:tcPr marL="60040" marR="60040" marT="30020" marB="30020"/>
@@ -12830,7 +12841,19 @@
                                           <a:rPr lang="en-US" sz="2000" b="0" i="1" smtClean="0">
                                             <a:latin typeface="Cambria Math" panose="02040503050406030204" pitchFamily="18" charset="0"/>
                                           </a:rPr>
+                                          <m:t> </m:t>
+                                        </m:r>
+                                        <m:r>
+                                          <a:rPr lang="en-US" sz="2000" b="0" i="1" smtClean="0">
+                                            <a:latin typeface="Cambria Math" panose="02040503050406030204" pitchFamily="18" charset="0"/>
+                                          </a:rPr>
                                           <m:t>𝑥</m:t>
+                                        </m:r>
+                                        <m:r>
+                                          <a:rPr lang="en-US" sz="2000" b="0" i="1" smtClean="0">
+                                            <a:latin typeface="Cambria Math" panose="02040503050406030204" pitchFamily="18" charset="0"/>
+                                          </a:rPr>
+                                          <m:t> </m:t>
                                         </m:r>
                                       </m:e>
                                     </m:acc>
@@ -13030,6 +13053,228 @@
                         <a:p>
                           <a:r>
                             <a:rPr lang="en-US" sz="2000" dirty="0"/>
+                            <a:t>Standard error for population 1</a:t>
+                          </a:r>
+                        </a:p>
+                      </a:txBody>
+                      <a:tcPr marL="60040" marR="60040" marT="30020" marB="30020"/>
+                    </a:tc>
+                    <a:tc>
+                      <a:txBody>
+                        <a:bodyPr/>
+                        <a:lstStyle/>
+                        <a:p>
+                          <a:pPr marL="0" marR="0" lvl="0" indent="0" algn="l" defTabSz="914400" rtl="0" eaLnBrk="1" fontAlgn="auto" latinLnBrk="0" hangingPunct="1">
+                            <a:lnSpc>
+                              <a:spcPct val="100000"/>
+                            </a:lnSpc>
+                            <a:spcBef>
+                              <a:spcPts val="0"/>
+                            </a:spcBef>
+                            <a:spcAft>
+                              <a:spcPts val="0"/>
+                            </a:spcAft>
+                            <a:buClrTx/>
+                            <a:buSzTx/>
+                            <a:buFontTx/>
+                            <a:buNone/>
+                            <a:tabLst/>
+                            <a:defRPr/>
+                          </a:pPr>
+                          <a14:m>
+                            <m:oMathPara xmlns:m="http://schemas.openxmlformats.org/officeDocument/2006/math">
+                              <m:oMathParaPr>
+                                <m:jc m:val="centerGroup"/>
+                              </m:oMathParaPr>
+                              <m:oMath xmlns:m="http://schemas.openxmlformats.org/officeDocument/2006/math">
+                                <m:sSub>
+                                  <m:sSubPr>
+                                    <m:ctrlPr>
+                                      <a:rPr lang="en-US" sz="2000" i="1" smtClean="0">
+                                        <a:latin typeface="Cambria Math" panose="02040503050406030204" pitchFamily="18" charset="0"/>
+                                      </a:rPr>
+                                    </m:ctrlPr>
+                                  </m:sSubPr>
+                                  <m:e>
+                                    <m:r>
+                                      <a:rPr lang="en-US" sz="2000" i="1" smtClean="0">
+                                        <a:latin typeface="Cambria Math" panose="02040503050406030204" pitchFamily="18" charset="0"/>
+                                        <a:ea typeface="Cambria Math" panose="02040503050406030204" pitchFamily="18" charset="0"/>
+                                      </a:rPr>
+                                      <m:t>𝜎</m:t>
+                                    </m:r>
+                                  </m:e>
+                                  <m:sub>
+                                    <m:r>
+                                      <a:rPr lang="en-US" sz="2000" b="0" i="1" smtClean="0">
+                                        <a:latin typeface="Cambria Math" panose="02040503050406030204" pitchFamily="18" charset="0"/>
+                                        <a:ea typeface="Cambria Math" panose="02040503050406030204" pitchFamily="18" charset="0"/>
+                                      </a:rPr>
+                                      <m:t> </m:t>
+                                    </m:r>
+                                    <m:sSub>
+                                      <m:sSubPr>
+                                        <m:ctrlPr>
+                                          <a:rPr lang="en-US" sz="2000" i="1" smtClean="0">
+                                            <a:latin typeface="Cambria Math" panose="02040503050406030204" pitchFamily="18" charset="0"/>
+                                          </a:rPr>
+                                        </m:ctrlPr>
+                                      </m:sSubPr>
+                                      <m:e>
+                                        <m:acc>
+                                          <m:accPr>
+                                            <m:chr m:val="̅"/>
+                                            <m:ctrlPr>
+                                              <a:rPr lang="en-US" sz="2000" i="1" smtClean="0">
+                                                <a:latin typeface="Cambria Math" panose="02040503050406030204" pitchFamily="18" charset="0"/>
+                                              </a:rPr>
+                                            </m:ctrlPr>
+                                          </m:accPr>
+                                          <m:e>
+                                            <m:r>
+                                              <a:rPr lang="en-US" sz="2000" b="0" i="1" smtClean="0">
+                                                <a:latin typeface="Cambria Math" panose="02040503050406030204" pitchFamily="18" charset="0"/>
+                                              </a:rPr>
+                                              <m:t> </m:t>
+                                            </m:r>
+                                            <m:r>
+                                              <a:rPr lang="en-US" sz="2000" b="0" i="1" smtClean="0">
+                                                <a:latin typeface="Cambria Math" panose="02040503050406030204" pitchFamily="18" charset="0"/>
+                                              </a:rPr>
+                                              <m:t>𝑥</m:t>
+                                            </m:r>
+                                            <m:r>
+                                              <a:rPr lang="en-US" sz="2000" b="0" i="1" smtClean="0">
+                                                <a:latin typeface="Cambria Math" panose="02040503050406030204" pitchFamily="18" charset="0"/>
+                                              </a:rPr>
+                                              <m:t> </m:t>
+                                            </m:r>
+                                          </m:e>
+                                        </m:acc>
+                                      </m:e>
+                                      <m:sub>
+                                        <m:r>
+                                          <a:rPr lang="en-US" sz="2000" b="0" i="1" smtClean="0">
+                                            <a:latin typeface="Cambria Math" panose="02040503050406030204" pitchFamily="18" charset="0"/>
+                                          </a:rPr>
+                                          <m:t>1</m:t>
+                                        </m:r>
+                                      </m:sub>
+                                    </m:sSub>
+                                    <m:r>
+                                      <m:rPr>
+                                        <m:nor/>
+                                      </m:rPr>
+                                      <a:rPr lang="en-US" sz="2000" dirty="0"/>
+                                      <m:t> </m:t>
+                                    </m:r>
+                                  </m:sub>
+                                </m:sSub>
+                                <m:r>
+                                  <a:rPr lang="en-US" sz="2000" b="0" i="1" dirty="0" smtClean="0">
+                                    <a:latin typeface="Cambria Math" panose="02040503050406030204" pitchFamily="18" charset="0"/>
+                                  </a:rPr>
+                                  <m:t>=</m:t>
+                                </m:r>
+                                <m:f>
+                                  <m:fPr>
+                                    <m:ctrlPr>
+                                      <a:rPr lang="en-US" sz="2000" b="0" i="1" smtClean="0">
+                                        <a:latin typeface="Cambria Math" panose="02040503050406030204" pitchFamily="18" charset="0"/>
+                                      </a:rPr>
+                                    </m:ctrlPr>
+                                  </m:fPr>
+                                  <m:num>
+                                    <m:sSub>
+                                      <m:sSubPr>
+                                        <m:ctrlPr>
+                                          <a:rPr lang="en-US" sz="2000" b="0" i="1" smtClean="0">
+                                            <a:latin typeface="Cambria Math" panose="02040503050406030204" pitchFamily="18" charset="0"/>
+                                          </a:rPr>
+                                        </m:ctrlPr>
+                                      </m:sSubPr>
+                                      <m:e>
+                                        <m:r>
+                                          <a:rPr lang="en-US" sz="2000" b="0" i="1" smtClean="0">
+                                            <a:latin typeface="Cambria Math" panose="02040503050406030204" pitchFamily="18" charset="0"/>
+                                            <a:ea typeface="Cambria Math" panose="02040503050406030204" pitchFamily="18" charset="0"/>
+                                          </a:rPr>
+                                          <m:t>𝜎</m:t>
+                                        </m:r>
+                                      </m:e>
+                                      <m:sub>
+                                        <m:r>
+                                          <a:rPr lang="en-US" sz="2000" b="0" i="1" smtClean="0">
+                                            <a:latin typeface="Cambria Math" panose="02040503050406030204" pitchFamily="18" charset="0"/>
+                                          </a:rPr>
+                                          <m:t>1</m:t>
+                                        </m:r>
+                                      </m:sub>
+                                    </m:sSub>
+                                  </m:num>
+                                  <m:den>
+                                    <m:rad>
+                                      <m:radPr>
+                                        <m:degHide m:val="on"/>
+                                        <m:ctrlPr>
+                                          <a:rPr lang="en-US" sz="2000" b="0" i="1" smtClean="0">
+                                            <a:latin typeface="Cambria Math" panose="02040503050406030204" pitchFamily="18" charset="0"/>
+                                          </a:rPr>
+                                        </m:ctrlPr>
+                                      </m:radPr>
+                                      <m:deg/>
+                                      <m:e>
+                                        <m:sSub>
+                                          <m:sSubPr>
+                                            <m:ctrlPr>
+                                              <a:rPr lang="en-US" sz="2000" b="0" i="1" smtClean="0">
+                                                <a:latin typeface="Cambria Math" panose="02040503050406030204" pitchFamily="18" charset="0"/>
+                                              </a:rPr>
+                                            </m:ctrlPr>
+                                          </m:sSubPr>
+                                          <m:e>
+                                            <m:r>
+                                              <a:rPr lang="en-US" sz="2000" b="0" i="1" smtClean="0">
+                                                <a:latin typeface="Cambria Math" panose="02040503050406030204" pitchFamily="18" charset="0"/>
+                                              </a:rPr>
+                                              <m:t>𝑛</m:t>
+                                            </m:r>
+                                          </m:e>
+                                          <m:sub>
+                                            <m:r>
+                                              <a:rPr lang="en-US" sz="2000" b="0" i="1" smtClean="0">
+                                                <a:latin typeface="Cambria Math" panose="02040503050406030204" pitchFamily="18" charset="0"/>
+                                              </a:rPr>
+                                              <m:t>1</m:t>
+                                            </m:r>
+                                          </m:sub>
+                                        </m:sSub>
+                                      </m:e>
+                                    </m:rad>
+                                  </m:den>
+                                </m:f>
+                              </m:oMath>
+                            </m:oMathPara>
+                          </a14:m>
+                          <a:endParaRPr lang="en-US" sz="2000" dirty="0"/>
+                        </a:p>
+                      </a:txBody>
+                      <a:tcPr marL="60040" marR="60040" marT="30020" marB="30020"/>
+                    </a:tc>
+                    <a:extLst>
+                      <a:ext uri="{0D108BD9-81ED-4DB2-BD59-A6C34878D82A}">
+                        <a16:rowId xmlns:a16="http://schemas.microsoft.com/office/drawing/2014/main" val="1009815735"/>
+                      </a:ext>
+                    </a:extLst>
+                  </a:tr>
+                  <a:tr h="432247">
+                    <a:tc>
+                      <a:txBody>
+                        <a:bodyPr/>
+                        <a:lstStyle/>
+                        <a:p>
+                          <a:r>
+                            <a:rPr lang="en-US" sz="2000" dirty="0"/>
                             <a:t>Standard error for population 2</a:t>
                           </a:r>
                         </a:p>
@@ -13082,6 +13327,13 @@
                                     </m:r>
                                   </m:e>
                                   <m:sub>
+                                    <m:r>
+                                      <a:rPr lang="en-US" sz="2000" b="0" i="1" smtClean="0">
+                                        <a:latin typeface="Cambria Math" panose="02040503050406030204" pitchFamily="18" charset="0"/>
+                                        <a:ea typeface="Cambria Math" panose="02040503050406030204" pitchFamily="18" charset="0"/>
+                                      </a:rPr>
+                                      <m:t> </m:t>
+                                    </m:r>
                                     <m:sSub>
                                       <m:sSubPr>
                                         <m:ctrlPr>
@@ -13105,7 +13357,19 @@
                                               <a:rPr lang="en-US" sz="2000" b="0" i="1" smtClean="0">
                                                 <a:latin typeface="Cambria Math" panose="02040503050406030204" pitchFamily="18" charset="0"/>
                                               </a:rPr>
+                                              <m:t> </m:t>
+                                            </m:r>
+                                            <m:r>
+                                              <a:rPr lang="en-US" sz="2000" b="0" i="1" smtClean="0">
+                                                <a:latin typeface="Cambria Math" panose="02040503050406030204" pitchFamily="18" charset="0"/>
+                                              </a:rPr>
                                               <m:t>𝑥</m:t>
+                                            </m:r>
+                                            <m:r>
+                                              <a:rPr lang="en-US" sz="2000" b="0" i="1" smtClean="0">
+                                                <a:latin typeface="Cambria Math" panose="02040503050406030204" pitchFamily="18" charset="0"/>
+                                              </a:rPr>
+                                              <m:t> </m:t>
                                             </m:r>
                                           </m:e>
                                         </m:acc>
@@ -13290,7 +13554,19 @@
                                           <a:rPr lang="en-US" sz="2000" b="0" i="1" smtClean="0">
                                             <a:latin typeface="Cambria Math" panose="02040503050406030204" pitchFamily="18" charset="0"/>
                                           </a:rPr>
+                                          <m:t> </m:t>
+                                        </m:r>
+                                        <m:r>
+                                          <a:rPr lang="en-US" sz="2000" b="0" i="1" smtClean="0">
+                                            <a:latin typeface="Cambria Math" panose="02040503050406030204" pitchFamily="18" charset="0"/>
+                                          </a:rPr>
                                           <m:t>𝑥</m:t>
+                                        </m:r>
+                                        <m:r>
+                                          <a:rPr lang="en-US" sz="2000" b="0" i="1" smtClean="0">
+                                            <a:latin typeface="Cambria Math" panose="02040503050406030204" pitchFamily="18" charset="0"/>
+                                          </a:rPr>
+                                          <m:t> </m:t>
                                         </m:r>
                                       </m:e>
                                     </m:acc>
@@ -13333,7 +13609,19 @@
                                           <a:rPr lang="en-US" sz="2000" b="0" i="1" smtClean="0">
                                             <a:latin typeface="Cambria Math" panose="02040503050406030204" pitchFamily="18" charset="0"/>
                                           </a:rPr>
+                                          <m:t> </m:t>
+                                        </m:r>
+                                        <m:r>
+                                          <a:rPr lang="en-US" sz="2000" b="0" i="1" smtClean="0">
+                                            <a:latin typeface="Cambria Math" panose="02040503050406030204" pitchFamily="18" charset="0"/>
+                                          </a:rPr>
                                           <m:t>𝑥</m:t>
+                                        </m:r>
+                                        <m:r>
+                                          <a:rPr lang="en-US" sz="2000" b="0" i="1" smtClean="0">
+                                            <a:latin typeface="Cambria Math" panose="02040503050406030204" pitchFamily="18" charset="0"/>
+                                          </a:rPr>
+                                          <m:t> </m:t>
                                         </m:r>
                                       </m:e>
                                     </m:acc>
@@ -13649,7 +13937,7 @@
                                               <a:rPr lang="en-US" sz="2000" b="0" i="1" smtClean="0">
                                                 <a:latin typeface="Cambria Math" panose="02040503050406030204" pitchFamily="18" charset="0"/>
                                               </a:rPr>
-                                              <m:t>1</m:t>
+                                              <m:t>2</m:t>
                                             </m:r>
                                           </m:sub>
                                         </m:sSub>
@@ -13871,14 +14159,14 @@
                 <p:ph idx="1"/>
                 <p:extLst>
                   <p:ext uri="{D42A27DB-BD31-4B8C-83A1-F6EECF244321}">
-                    <p14:modId xmlns:p14="http://schemas.microsoft.com/office/powerpoint/2010/main" val="903376110"/>
+                    <p14:modId xmlns:p14="http://schemas.microsoft.com/office/powerpoint/2010/main" val="4276511036"/>
                   </p:ext>
                 </p:extLst>
               </p:nvPr>
             </p:nvGraphicFramePr>
             <p:xfrm>
-              <a:off x="1731391" y="1581150"/>
-              <a:ext cx="9218896" cy="4663388"/>
+              <a:off x="1105904" y="1051063"/>
+              <a:ext cx="9218896" cy="5312645"/>
             </p:xfrm>
             <a:graphic>
               <a:graphicData uri="http://schemas.openxmlformats.org/drawingml/2006/table">
@@ -13909,7 +14197,7 @@
                         <a:lstStyle/>
                         <a:p>
                           <a:r>
-                            <a:rPr lang="en-US" sz="2000"/>
+                            <a:rPr lang="en-US" sz="2000" dirty="0"/>
                             <a:t>Description</a:t>
                           </a:r>
                         </a:p>
@@ -13954,14 +14242,14 @@
                         <a:bodyPr/>
                         <a:lstStyle/>
                         <a:p>
-                          <a:endParaRPr lang="en-US"/>
+                          <a:endParaRPr lang="es-MX"/>
                         </a:p>
                       </a:txBody>
                       <a:tcPr marL="60040" marR="60040" marT="30020" marB="30020">
                         <a:blipFill>
                           <a:blip r:embed="rId2"/>
                           <a:stretch>
-                            <a:fillRect l="-100397" t="-113333" r="-529" b="-1080000"/>
+                            <a:fillRect l="-100265" t="-113333" r="-529" b="-1256667"/>
                           </a:stretch>
                         </a:blipFill>
                       </a:tcPr>
@@ -13991,14 +14279,14 @@
                         <a:bodyPr/>
                         <a:lstStyle/>
                         <a:p>
-                          <a:endParaRPr lang="en-US"/>
+                          <a:endParaRPr lang="es-MX"/>
                         </a:p>
                       </a:txBody>
                       <a:tcPr marL="60040" marR="60040" marT="30020" marB="30020">
                         <a:blipFill>
                           <a:blip r:embed="rId2"/>
                           <a:stretch>
-                            <a:fillRect l="-100397" t="-213333" r="-529" b="-980000"/>
+                            <a:fillRect l="-100265" t="-213333" r="-529" b="-1156667"/>
                           </a:stretch>
                         </a:blipFill>
                       </a:tcPr>
@@ -14028,14 +14316,14 @@
                         <a:bodyPr/>
                         <a:lstStyle/>
                         <a:p>
-                          <a:endParaRPr lang="en-US"/>
+                          <a:endParaRPr lang="es-MX"/>
                         </a:p>
                       </a:txBody>
                       <a:tcPr marL="60040" marR="60040" marT="30020" marB="30020">
                         <a:blipFill>
                           <a:blip r:embed="rId2"/>
                           <a:stretch>
-                            <a:fillRect l="-100397" t="-313333" r="-529" b="-880000"/>
+                            <a:fillRect l="-100265" t="-313333" r="-529" b="-1056667"/>
                           </a:stretch>
                         </a:blipFill>
                       </a:tcPr>
@@ -14065,14 +14353,14 @@
                         <a:bodyPr/>
                         <a:lstStyle/>
                         <a:p>
-                          <a:endParaRPr lang="en-US"/>
+                          <a:endParaRPr lang="es-MX"/>
                         </a:p>
                       </a:txBody>
                       <a:tcPr marL="60040" marR="60040" marT="30020" marB="30020">
                         <a:blipFill>
                           <a:blip r:embed="rId2"/>
                           <a:stretch>
-                            <a:fillRect l="-100397" t="-413333" r="-529" b="-780000"/>
+                            <a:fillRect l="-100265" t="-420339" r="-529" b="-974576"/>
                           </a:stretch>
                         </a:blipFill>
                       </a:tcPr>
@@ -14102,14 +14390,14 @@
                         <a:bodyPr/>
                         <a:lstStyle/>
                         <a:p>
-                          <a:endParaRPr lang="en-US"/>
+                          <a:endParaRPr lang="es-MX"/>
                         </a:p>
                       </a:txBody>
                       <a:tcPr marL="60040" marR="60040" marT="30020" marB="30020">
                         <a:blipFill>
                           <a:blip r:embed="rId2"/>
                           <a:stretch>
-                            <a:fillRect l="-100397" t="-433803" r="-529" b="-559155"/>
+                            <a:fillRect l="-100265" t="-432394" r="-529" b="-709859"/>
                           </a:stretch>
                         </a:blipFill>
                       </a:tcPr>
@@ -14139,14 +14427,14 @@
                         <a:bodyPr/>
                         <a:lstStyle/>
                         <a:p>
-                          <a:endParaRPr lang="en-US"/>
+                          <a:endParaRPr lang="es-MX"/>
                         </a:p>
                       </a:txBody>
                       <a:tcPr marL="60040" marR="60040" marT="30020" marB="30020">
                         <a:blipFill>
                           <a:blip r:embed="rId2"/>
                           <a:stretch>
-                            <a:fillRect l="-100397" t="-533803" r="-529" b="-459155"/>
+                            <a:fillRect l="-100265" t="-532394" r="-529" b="-609859"/>
                           </a:stretch>
                         </a:blipFill>
                       </a:tcPr>
@@ -14154,6 +14442,43 @@
                     <a:extLst>
                       <a:ext uri="{0D108BD9-81ED-4DB2-BD59-A6C34878D82A}">
                         <a16:rowId xmlns:a16="http://schemas.microsoft.com/office/drawing/2014/main" val="3678281229"/>
+                      </a:ext>
+                    </a:extLst>
+                  </a:tr>
+                  <a:tr h="649257">
+                    <a:tc>
+                      <a:txBody>
+                        <a:bodyPr/>
+                        <a:lstStyle/>
+                        <a:p>
+                          <a:r>
+                            <a:rPr lang="en-US" sz="2000" dirty="0"/>
+                            <a:t>Standard error for population 1</a:t>
+                          </a:r>
+                        </a:p>
+                      </a:txBody>
+                      <a:tcPr marL="60040" marR="60040" marT="30020" marB="30020"/>
+                    </a:tc>
+                    <a:tc>
+                      <a:txBody>
+                        <a:bodyPr/>
+                        <a:lstStyle/>
+                        <a:p>
+                          <a:endParaRPr lang="es-MX"/>
+                        </a:p>
+                      </a:txBody>
+                      <a:tcPr marL="60040" marR="60040" marT="30020" marB="30020">
+                        <a:blipFill>
+                          <a:blip r:embed="rId2"/>
+                          <a:stretch>
+                            <a:fillRect l="-100265" t="-419626" r="-529" b="-304673"/>
+                          </a:stretch>
+                        </a:blipFill>
+                      </a:tcPr>
+                    </a:tc>
+                    <a:extLst>
+                      <a:ext uri="{0D108BD9-81ED-4DB2-BD59-A6C34878D82A}">
+                        <a16:rowId xmlns:a16="http://schemas.microsoft.com/office/drawing/2014/main" val="1009815735"/>
                       </a:ext>
                     </a:extLst>
                   </a:tr>
@@ -14176,14 +14501,14 @@
                         <a:bodyPr/>
                         <a:lstStyle/>
                         <a:p>
-                          <a:endParaRPr lang="en-US"/>
+                          <a:endParaRPr lang="es-MX"/>
                         </a:p>
                       </a:txBody>
                       <a:tcPr marL="60040" marR="60040" marT="30020" marB="30020">
                         <a:blipFill>
                           <a:blip r:embed="rId2"/>
                           <a:stretch>
-                            <a:fillRect l="-100397" t="-424528" r="-529" b="-207547"/>
+                            <a:fillRect l="-100265" t="-524528" r="-529" b="-207547"/>
                           </a:stretch>
                         </a:blipFill>
                       </a:tcPr>
@@ -14213,14 +14538,14 @@
                         <a:bodyPr/>
                         <a:lstStyle/>
                         <a:p>
-                          <a:endParaRPr lang="en-US"/>
+                          <a:endParaRPr lang="es-MX"/>
                         </a:p>
                       </a:txBody>
                       <a:tcPr marL="60040" marR="60040" marT="30020" marB="30020">
                         <a:blipFill>
                           <a:blip r:embed="rId2"/>
                           <a:stretch>
-                            <a:fillRect l="-100397" t="-926667" r="-529" b="-266667"/>
+                            <a:fillRect l="-100265" t="-1103333" r="-529" b="-266667"/>
                           </a:stretch>
                         </a:blipFill>
                       </a:tcPr>
@@ -14250,14 +14575,14 @@
                         <a:bodyPr/>
                         <a:lstStyle/>
                         <a:p>
-                          <a:endParaRPr lang="en-US"/>
+                          <a:endParaRPr lang="es-MX"/>
                         </a:p>
                       </a:txBody>
                       <a:tcPr marL="60040" marR="60040" marT="30020" marB="30020">
                         <a:blipFill>
                           <a:blip r:embed="rId2"/>
                           <a:stretch>
-                            <a:fillRect l="-100397" t="-389873" r="-529" b="-1266"/>
+                            <a:fillRect l="-100265" t="-456962" r="-529" b="-1266"/>
                           </a:stretch>
                         </a:blipFill>
                       </a:tcPr>
@@ -17132,7 +17457,7 @@
                 <p:ph idx="1"/>
                 <p:extLst>
                   <p:ext uri="{D42A27DB-BD31-4B8C-83A1-F6EECF244321}">
-                    <p14:modId xmlns:p14="http://schemas.microsoft.com/office/powerpoint/2010/main" val="99449279"/>
+                    <p14:modId xmlns:p14="http://schemas.microsoft.com/office/powerpoint/2010/main" val="1710164888"/>
                   </p:ext>
                 </p:extLst>
               </p:nvPr>
@@ -17215,6 +17540,7 @@
                         <a:bodyPr/>
                         <a:lstStyle/>
                         <a:p>
+                          <a:pPr/>
                           <a14:m>
                             <m:oMathPara xmlns:m="http://schemas.openxmlformats.org/officeDocument/2006/math">
                               <m:oMathParaPr>
@@ -17279,6 +17605,7 @@
                         <a:bodyPr/>
                         <a:lstStyle/>
                         <a:p>
+                          <a:pPr/>
                           <a14:m>
                             <m:oMathPara xmlns:m="http://schemas.openxmlformats.org/officeDocument/2006/math">
                               <m:oMathParaPr>
@@ -17306,7 +17633,7 @@
                                       <a:rPr lang="en-US" b="0" i="1" smtClean="0">
                                         <a:latin typeface="Cambria Math" panose="02040503050406030204" pitchFamily="18" charset="0"/>
                                       </a:rPr>
-                                      <m:t>1</m:t>
+                                      <m:t>2</m:t>
                                     </m:r>
                                   </m:sub>
                                 </m:sSub>
@@ -17375,6 +17702,12 @@
                                     </m:ctrlPr>
                                   </m:sSubPr>
                                   <m:e>
+                                    <m:r>
+                                      <a:rPr lang="en-US" b="0" i="1" smtClean="0">
+                                        <a:latin typeface="Cambria Math" panose="02040503050406030204" pitchFamily="18" charset="0"/>
+                                      </a:rPr>
+                                      <m:t> </m:t>
+                                    </m:r>
                                     <m:acc>
                                       <m:accPr>
                                         <m:chr m:val="̅"/>
@@ -17389,7 +17722,19 @@
                                           <a:rPr lang="en-US" b="0" i="1" smtClean="0">
                                             <a:latin typeface="Cambria Math" panose="02040503050406030204" pitchFamily="18" charset="0"/>
                                           </a:rPr>
+                                          <m:t> </m:t>
+                                        </m:r>
+                                        <m:r>
+                                          <a:rPr lang="en-US" b="0" i="1" smtClean="0">
+                                            <a:latin typeface="Cambria Math" panose="02040503050406030204" pitchFamily="18" charset="0"/>
+                                          </a:rPr>
                                           <m:t>𝑝</m:t>
+                                        </m:r>
+                                        <m:r>
+                                          <a:rPr lang="en-US" b="0" i="1" smtClean="0">
+                                            <a:latin typeface="Cambria Math" panose="02040503050406030204" pitchFamily="18" charset="0"/>
+                                          </a:rPr>
+                                          <m:t> </m:t>
                                         </m:r>
                                       </m:e>
                                     </m:acc>
@@ -17499,7 +17844,19 @@
                                           <a:rPr lang="en-US" b="0" i="1" smtClean="0">
                                             <a:latin typeface="Cambria Math" panose="02040503050406030204" pitchFamily="18" charset="0"/>
                                           </a:rPr>
+                                          <m:t> </m:t>
+                                        </m:r>
+                                        <m:r>
+                                          <a:rPr lang="en-US" b="0" i="1" smtClean="0">
+                                            <a:latin typeface="Cambria Math" panose="02040503050406030204" pitchFamily="18" charset="0"/>
+                                          </a:rPr>
                                           <m:t>𝑝</m:t>
+                                        </m:r>
+                                        <m:r>
+                                          <a:rPr lang="en-US" b="0" i="1" smtClean="0">
+                                            <a:latin typeface="Cambria Math" panose="02040503050406030204" pitchFamily="18" charset="0"/>
+                                          </a:rPr>
+                                          <m:t> </m:t>
                                         </m:r>
                                       </m:e>
                                     </m:acc>
@@ -18386,7 +18743,19 @@
                                           <a:rPr lang="en-US" b="0" i="1" smtClean="0">
                                             <a:latin typeface="Cambria Math" panose="02040503050406030204" pitchFamily="18" charset="0"/>
                                           </a:rPr>
+                                          <m:t> </m:t>
+                                        </m:r>
+                                        <m:r>
+                                          <a:rPr lang="en-US" b="0" i="1" smtClean="0">
+                                            <a:latin typeface="Cambria Math" panose="02040503050406030204" pitchFamily="18" charset="0"/>
+                                          </a:rPr>
                                           <m:t>𝑝</m:t>
+                                        </m:r>
+                                        <m:r>
+                                          <a:rPr lang="en-US" b="0" i="1" smtClean="0">
+                                            <a:latin typeface="Cambria Math" panose="02040503050406030204" pitchFamily="18" charset="0"/>
+                                          </a:rPr>
+                                          <m:t> </m:t>
                                         </m:r>
                                       </m:e>
                                     </m:acc>
@@ -18429,7 +18798,19 @@
                                           <a:rPr lang="en-US" b="0" i="1" smtClean="0">
                                             <a:latin typeface="Cambria Math" panose="02040503050406030204" pitchFamily="18" charset="0"/>
                                           </a:rPr>
+                                          <m:t> </m:t>
+                                        </m:r>
+                                        <m:r>
+                                          <a:rPr lang="en-US" b="0" i="1" smtClean="0">
+                                            <a:latin typeface="Cambria Math" panose="02040503050406030204" pitchFamily="18" charset="0"/>
+                                          </a:rPr>
                                           <m:t>𝑝</m:t>
+                                        </m:r>
+                                        <m:r>
+                                          <a:rPr lang="en-US" b="0" i="1" smtClean="0">
+                                            <a:latin typeface="Cambria Math" panose="02040503050406030204" pitchFamily="18" charset="0"/>
+                                          </a:rPr>
+                                          <m:t> </m:t>
                                         </m:r>
                                       </m:e>
                                     </m:acc>
@@ -18745,7 +19126,7 @@
                                               <a:rPr lang="en-US" sz="1800" b="0" i="1" smtClean="0">
                                                 <a:latin typeface="Cambria Math" panose="02040503050406030204" pitchFamily="18" charset="0"/>
                                               </a:rPr>
-                                              <m:t>1</m:t>
+                                              <m:t>2</m:t>
                                             </m:r>
                                           </m:sub>
                                         </m:sSub>
@@ -19071,7 +19452,7 @@
                 <p:ph idx="1"/>
                 <p:extLst>
                   <p:ext uri="{D42A27DB-BD31-4B8C-83A1-F6EECF244321}">
-                    <p14:modId xmlns:p14="http://schemas.microsoft.com/office/powerpoint/2010/main" val="99449279"/>
+                    <p14:modId xmlns:p14="http://schemas.microsoft.com/office/powerpoint/2010/main" val="1710164888"/>
                   </p:ext>
                 </p:extLst>
               </p:nvPr>
@@ -19154,7 +19535,7 @@
                         <a:bodyPr/>
                         <a:lstStyle/>
                         <a:p>
-                          <a:endParaRPr lang="en-US"/>
+                          <a:endParaRPr lang="es-MX"/>
                         </a:p>
                       </a:txBody>
                       <a:tcPr>
@@ -19191,7 +19572,7 @@
                         <a:bodyPr/>
                         <a:lstStyle/>
                         <a:p>
-                          <a:endParaRPr lang="en-US"/>
+                          <a:endParaRPr lang="es-MX"/>
                         </a:p>
                       </a:txBody>
                       <a:tcPr>
@@ -19228,7 +19609,7 @@
                         <a:bodyPr/>
                         <a:lstStyle/>
                         <a:p>
-                          <a:endParaRPr lang="en-US"/>
+                          <a:endParaRPr lang="es-MX"/>
                         </a:p>
                       </a:txBody>
                       <a:tcPr>
@@ -19282,7 +19663,7 @@
                         <a:bodyPr/>
                         <a:lstStyle/>
                         <a:p>
-                          <a:endParaRPr lang="en-US"/>
+                          <a:endParaRPr lang="es-MX"/>
                         </a:p>
                       </a:txBody>
                       <a:tcPr>
@@ -19326,7 +19707,7 @@
                         <a:bodyPr/>
                         <a:lstStyle/>
                         <a:p>
-                          <a:endParaRPr lang="en-US"/>
+                          <a:endParaRPr lang="es-MX"/>
                         </a:p>
                       </a:txBody>
                       <a:tcPr marL="60040" marR="60040" marT="30020" marB="30020">
@@ -19370,7 +19751,7 @@
                         <a:bodyPr/>
                         <a:lstStyle/>
                         <a:p>
-                          <a:endParaRPr lang="en-US"/>
+                          <a:endParaRPr lang="es-MX"/>
                         </a:p>
                       </a:txBody>
                       <a:tcPr marL="60040" marR="60040" marT="30020" marB="30020">
@@ -19415,7 +19796,7 @@
                         <a:bodyPr/>
                         <a:lstStyle/>
                         <a:p>
-                          <a:endParaRPr lang="en-US"/>
+                          <a:endParaRPr lang="es-MX"/>
                         </a:p>
                       </a:txBody>
                       <a:tcPr>
@@ -19452,7 +19833,7 @@
                         <a:bodyPr/>
                         <a:lstStyle/>
                         <a:p>
-                          <a:endParaRPr lang="en-US"/>
+                          <a:endParaRPr lang="es-MX"/>
                         </a:p>
                       </a:txBody>
                       <a:tcPr>

--- a/2021/statistics-for-business/session-8.pptx
+++ b/2021/statistics-for-business/session-8.pptx
@@ -3619,7 +3619,7 @@
           <a:p>
             <a:fld id="{BAB092CD-4273-444B-8426-8EB57D389A51}" type="datetimeFigureOut">
               <a:rPr lang="es-MX" smtClean="0"/>
-              <a:t>11/03/2022</a:t>
+              <a:t>04/06/2022</a:t>
             </a:fld>
             <a:endParaRPr lang="es-MX" dirty="0"/>
           </a:p>
@@ -3857,7 +3857,7 @@
           <a:p>
             <a:fld id="{BAB092CD-4273-444B-8426-8EB57D389A51}" type="datetimeFigureOut">
               <a:rPr lang="es-MX" smtClean="0"/>
-              <a:t>11/03/2022</a:t>
+              <a:t>04/06/2022</a:t>
             </a:fld>
             <a:endParaRPr lang="es-MX" dirty="0"/>
           </a:p>
@@ -4037,7 +4037,7 @@
           <a:p>
             <a:fld id="{BAB092CD-4273-444B-8426-8EB57D389A51}" type="datetimeFigureOut">
               <a:rPr lang="es-MX" smtClean="0"/>
-              <a:t>11/03/2022</a:t>
+              <a:t>04/06/2022</a:t>
             </a:fld>
             <a:endParaRPr lang="es-MX" dirty="0"/>
           </a:p>
@@ -4207,7 +4207,7 @@
           <a:p>
             <a:fld id="{BAB092CD-4273-444B-8426-8EB57D389A51}" type="datetimeFigureOut">
               <a:rPr lang="es-MX" smtClean="0"/>
-              <a:t>11/03/2022</a:t>
+              <a:t>04/06/2022</a:t>
             </a:fld>
             <a:endParaRPr lang="es-MX" dirty="0"/>
           </a:p>
@@ -4483,7 +4483,7 @@
           <a:p>
             <a:fld id="{BAB092CD-4273-444B-8426-8EB57D389A51}" type="datetimeFigureOut">
               <a:rPr lang="es-MX" smtClean="0"/>
-              <a:t>11/03/2022</a:t>
+              <a:t>04/06/2022</a:t>
             </a:fld>
             <a:endParaRPr lang="es-MX" dirty="0"/>
           </a:p>
@@ -5684,7 +5684,7 @@
           <a:p>
             <a:fld id="{BAB092CD-4273-444B-8426-8EB57D389A51}" type="datetimeFigureOut">
               <a:rPr lang="es-MX" smtClean="0"/>
-              <a:t>11/03/2022</a:t>
+              <a:t>04/06/2022</a:t>
             </a:fld>
             <a:endParaRPr lang="es-MX" dirty="0"/>
           </a:p>
@@ -6074,7 +6074,7 @@
           <a:p>
             <a:fld id="{BAB092CD-4273-444B-8426-8EB57D389A51}" type="datetimeFigureOut">
               <a:rPr lang="es-MX" smtClean="0"/>
-              <a:t>11/03/2022</a:t>
+              <a:t>04/06/2022</a:t>
             </a:fld>
             <a:endParaRPr lang="es-MX" dirty="0"/>
           </a:p>
@@ -6197,7 +6197,7 @@
           <a:p>
             <a:fld id="{BAB092CD-4273-444B-8426-8EB57D389A51}" type="datetimeFigureOut">
               <a:rPr lang="es-MX" smtClean="0"/>
-              <a:t>11/03/2022</a:t>
+              <a:t>04/06/2022</a:t>
             </a:fld>
             <a:endParaRPr lang="es-MX" dirty="0"/>
           </a:p>
@@ -6292,7 +6292,7 @@
           <a:p>
             <a:fld id="{BAB092CD-4273-444B-8426-8EB57D389A51}" type="datetimeFigureOut">
               <a:rPr lang="es-MX" smtClean="0"/>
-              <a:t>11/03/2022</a:t>
+              <a:t>04/06/2022</a:t>
             </a:fld>
             <a:endParaRPr lang="es-MX" dirty="0"/>
           </a:p>
@@ -7055,7 +7055,7 @@
           <a:p>
             <a:fld id="{BAB092CD-4273-444B-8426-8EB57D389A51}" type="datetimeFigureOut">
               <a:rPr lang="es-MX" smtClean="0"/>
-              <a:t>11/03/2022</a:t>
+              <a:t>04/06/2022</a:t>
             </a:fld>
             <a:endParaRPr lang="es-MX" dirty="0"/>
           </a:p>
@@ -7894,7 +7894,7 @@
           <a:p>
             <a:fld id="{BAB092CD-4273-444B-8426-8EB57D389A51}" type="datetimeFigureOut">
               <a:rPr lang="es-MX" smtClean="0"/>
-              <a:t>11/03/2022</a:t>
+              <a:t>04/06/2022</a:t>
             </a:fld>
             <a:endParaRPr lang="es-MX" dirty="0"/>
           </a:p>
@@ -8121,7 +8121,7 @@
           <a:p>
             <a:fld id="{BAB092CD-4273-444B-8426-8EB57D389A51}" type="datetimeFigureOut">
               <a:rPr lang="es-MX" smtClean="0"/>
-              <a:t>11/03/2022</a:t>
+              <a:t>04/06/2022</a:t>
             </a:fld>
             <a:endParaRPr lang="es-MX" dirty="0"/>
           </a:p>
@@ -20735,10 +20735,10 @@
       </p:grpSpPr>
       <p:sp>
         <p:nvSpPr>
-          <p:cNvPr id="93" name="Freeform 6">
+          <p:cNvPr id="112" name="Freeform 6">
             <a:extLst>
               <a:ext uri="{FF2B5EF4-FFF2-40B4-BE49-F238E27FC236}">
-                <a16:creationId xmlns:a16="http://schemas.microsoft.com/office/drawing/2014/main" id="{BB8C1D0E-0B06-46C9-A8BD-A8E13FF9936B}"/>
+                <a16:creationId xmlns:a16="http://schemas.microsoft.com/office/drawing/2014/main" id="{B217C2AD-51B4-40CE-A71F-F5D3F846D97B}"/>
               </a:ext>
               <a:ext uri="{C183D7F6-B498-43B3-948B-1728B52AA6E4}">
                 <adec:decorative xmlns:adec="http://schemas.microsoft.com/office/drawing/2017/decorative" val="1"/>
@@ -21798,10 +21798,10 @@
       </p:sp>
       <p:sp>
         <p:nvSpPr>
-          <p:cNvPr id="95" name="Rectangle 94">
+          <p:cNvPr id="113" name="Rectangle 105">
             <a:extLst>
               <a:ext uri="{FF2B5EF4-FFF2-40B4-BE49-F238E27FC236}">
-                <a16:creationId xmlns:a16="http://schemas.microsoft.com/office/drawing/2014/main" id="{7D1ADC4A-8537-4084-99C7-F8D378A640A9}"/>
+                <a16:creationId xmlns:a16="http://schemas.microsoft.com/office/drawing/2014/main" id="{6F1BF92E-23CF-4BFE-9E1F-C359BACFA3C5}"/>
               </a:ext>
               <a:ext uri="{C183D7F6-B498-43B3-948B-1728B52AA6E4}">
                 <adec:decorative xmlns:adec="http://schemas.microsoft.com/office/drawing/2017/decorative" val="1"/>
@@ -21851,12 +21851,171 @@
           </a:fontRef>
         </p:style>
       </p:sp>
+      <p:sp useBgFill="1">
+        <p:nvSpPr>
+          <p:cNvPr id="114" name="Rectangle 107">
+            <a:extLst>
+              <a:ext uri="{FF2B5EF4-FFF2-40B4-BE49-F238E27FC236}">
+                <a16:creationId xmlns:a16="http://schemas.microsoft.com/office/drawing/2014/main" id="{33DFEFC0-99B4-4D27-9168-1B2F659A34B5}"/>
+              </a:ext>
+              <a:ext uri="{C183D7F6-B498-43B3-948B-1728B52AA6E4}">
+                <adec:decorative xmlns:adec="http://schemas.microsoft.com/office/drawing/2017/decorative" val="1"/>
+              </a:ext>
+            </a:extLst>
+          </p:cNvPr>
+          <p:cNvSpPr>
+            <a:spLocks noGrp="1" noRot="1" noChangeAspect="1" noMove="1" noResize="1" noEditPoints="1" noAdjustHandles="1" noChangeArrowheads="1" noChangeShapeType="1" noTextEdit="1"/>
+          </p:cNvSpPr>
+          <p:nvPr>
+            <p:extLst>
+              <p:ext uri="{386F3935-93C4-4BCD-93E2-E3B085C9AB24}">
+                <p16:designElem xmlns:p16="http://schemas.microsoft.com/office/powerpoint/2015/main" val="1"/>
+              </p:ext>
+            </p:extLst>
+          </p:nvPr>
+        </p:nvSpPr>
+        <p:spPr bwMode="white">
+          <a:xfrm>
+            <a:off x="0" y="0"/>
+            <a:ext cx="12192000" cy="6858000"/>
+          </a:xfrm>
+          <a:prstGeom prst="rect">
+            <a:avLst/>
+          </a:prstGeom>
+          <a:ln>
+            <a:noFill/>
+          </a:ln>
+        </p:spPr>
+        <p:style>
+          <a:lnRef idx="2">
+            <a:schemeClr val="accent1">
+              <a:shade val="50000"/>
+            </a:schemeClr>
+          </a:lnRef>
+          <a:fillRef idx="1">
+            <a:schemeClr val="accent1"/>
+          </a:fillRef>
+          <a:effectRef idx="0">
+            <a:schemeClr val="accent1"/>
+          </a:effectRef>
+          <a:fontRef idx="minor">
+            <a:schemeClr val="lt1"/>
+          </a:fontRef>
+        </p:style>
+        <p:txBody>
+          <a:bodyPr rot="0" spcFirstLastPara="0" vert="horz" wrap="square" lIns="91440" tIns="45720" rIns="91440" bIns="45720" numCol="1" spcCol="0" rtlCol="0" fromWordArt="0" anchor="ctr" anchorCtr="0" forceAA="0" compatLnSpc="1">
+            <a:prstTxWarp prst="textNoShape">
+              <a:avLst/>
+            </a:prstTxWarp>
+            <a:noAutofit/>
+          </a:bodyPr>
+          <a:lstStyle>
+            <a:defPPr>
+              <a:defRPr lang="en-US"/>
+            </a:defPPr>
+            <a:lvl1pPr marL="0" algn="l" defTabSz="914400" rtl="0" eaLnBrk="1" latinLnBrk="0" hangingPunct="1">
+              <a:defRPr sz="1800" kern="1200">
+                <a:solidFill>
+                  <a:schemeClr val="lt1"/>
+                </a:solidFill>
+                <a:latin typeface="+mn-lt"/>
+                <a:ea typeface="+mn-ea"/>
+                <a:cs typeface="+mn-cs"/>
+              </a:defRPr>
+            </a:lvl1pPr>
+            <a:lvl2pPr marL="457200" algn="l" defTabSz="914400" rtl="0" eaLnBrk="1" latinLnBrk="0" hangingPunct="1">
+              <a:defRPr sz="1800" kern="1200">
+                <a:solidFill>
+                  <a:schemeClr val="lt1"/>
+                </a:solidFill>
+                <a:latin typeface="+mn-lt"/>
+                <a:ea typeface="+mn-ea"/>
+                <a:cs typeface="+mn-cs"/>
+              </a:defRPr>
+            </a:lvl2pPr>
+            <a:lvl3pPr marL="914400" algn="l" defTabSz="914400" rtl="0" eaLnBrk="1" latinLnBrk="0" hangingPunct="1">
+              <a:defRPr sz="1800" kern="1200">
+                <a:solidFill>
+                  <a:schemeClr val="lt1"/>
+                </a:solidFill>
+                <a:latin typeface="+mn-lt"/>
+                <a:ea typeface="+mn-ea"/>
+                <a:cs typeface="+mn-cs"/>
+              </a:defRPr>
+            </a:lvl3pPr>
+            <a:lvl4pPr marL="1371600" algn="l" defTabSz="914400" rtl="0" eaLnBrk="1" latinLnBrk="0" hangingPunct="1">
+              <a:defRPr sz="1800" kern="1200">
+                <a:solidFill>
+                  <a:schemeClr val="lt1"/>
+                </a:solidFill>
+                <a:latin typeface="+mn-lt"/>
+                <a:ea typeface="+mn-ea"/>
+                <a:cs typeface="+mn-cs"/>
+              </a:defRPr>
+            </a:lvl4pPr>
+            <a:lvl5pPr marL="1828800" algn="l" defTabSz="914400" rtl="0" eaLnBrk="1" latinLnBrk="0" hangingPunct="1">
+              <a:defRPr sz="1800" kern="1200">
+                <a:solidFill>
+                  <a:schemeClr val="lt1"/>
+                </a:solidFill>
+                <a:latin typeface="+mn-lt"/>
+                <a:ea typeface="+mn-ea"/>
+                <a:cs typeface="+mn-cs"/>
+              </a:defRPr>
+            </a:lvl5pPr>
+            <a:lvl6pPr marL="2286000" algn="l" defTabSz="914400" rtl="0" eaLnBrk="1" latinLnBrk="0" hangingPunct="1">
+              <a:defRPr sz="1800" kern="1200">
+                <a:solidFill>
+                  <a:schemeClr val="lt1"/>
+                </a:solidFill>
+                <a:latin typeface="+mn-lt"/>
+                <a:ea typeface="+mn-ea"/>
+                <a:cs typeface="+mn-cs"/>
+              </a:defRPr>
+            </a:lvl6pPr>
+            <a:lvl7pPr marL="2743200" algn="l" defTabSz="914400" rtl="0" eaLnBrk="1" latinLnBrk="0" hangingPunct="1">
+              <a:defRPr sz="1800" kern="1200">
+                <a:solidFill>
+                  <a:schemeClr val="lt1"/>
+                </a:solidFill>
+                <a:latin typeface="+mn-lt"/>
+                <a:ea typeface="+mn-ea"/>
+                <a:cs typeface="+mn-cs"/>
+              </a:defRPr>
+            </a:lvl7pPr>
+            <a:lvl8pPr marL="3200400" algn="l" defTabSz="914400" rtl="0" eaLnBrk="1" latinLnBrk="0" hangingPunct="1">
+              <a:defRPr sz="1800" kern="1200">
+                <a:solidFill>
+                  <a:schemeClr val="lt1"/>
+                </a:solidFill>
+                <a:latin typeface="+mn-lt"/>
+                <a:ea typeface="+mn-ea"/>
+                <a:cs typeface="+mn-cs"/>
+              </a:defRPr>
+            </a:lvl8pPr>
+            <a:lvl9pPr marL="3657600" algn="l" defTabSz="914400" rtl="0" eaLnBrk="1" latinLnBrk="0" hangingPunct="1">
+              <a:defRPr sz="1800" kern="1200">
+                <a:solidFill>
+                  <a:schemeClr val="lt1"/>
+                </a:solidFill>
+                <a:latin typeface="+mn-lt"/>
+                <a:ea typeface="+mn-ea"/>
+                <a:cs typeface="+mn-cs"/>
+              </a:defRPr>
+            </a:lvl9pPr>
+          </a:lstStyle>
+          <a:p>
+            <a:pPr algn="ctr"/>
+            <a:endParaRPr lang="en-US"/>
+          </a:p>
+        </p:txBody>
+      </p:sp>
       <p:sp>
         <p:nvSpPr>
-          <p:cNvPr id="97" name="Rectangle 96">
+          <p:cNvPr id="115" name="Freeform: Shape 109">
             <a:extLst>
               <a:ext uri="{FF2B5EF4-FFF2-40B4-BE49-F238E27FC236}">
-                <a16:creationId xmlns:a16="http://schemas.microsoft.com/office/drawing/2014/main" id="{D9453AC2-8882-459A-8985-3E24DD42AE0D}"/>
+                <a16:creationId xmlns:a16="http://schemas.microsoft.com/office/drawing/2014/main" id="{A2C20081-2005-4B05-BEA4-EB8D4C90A354}"/>
               </a:ext>
               <a:ext uri="{C183D7F6-B498-43B3-948B-1728B52AA6E4}">
                 <adec:decorative xmlns:adec="http://schemas.microsoft.com/office/drawing/2017/decorative" val="1"/>
@@ -21876,15 +22035,2079 @@
         </p:nvSpPr>
         <p:spPr>
           <a:xfrm>
-            <a:off x="264543" y="0"/>
-            <a:ext cx="11967714" cy="6858000"/>
+            <a:off x="0" y="5070708"/>
+            <a:ext cx="12192000" cy="1787292"/>
           </a:xfrm>
-          <a:prstGeom prst="rect">
+          <a:custGeom>
             <a:avLst/>
-          </a:prstGeom>
-          <a:solidFill>
-            <a:srgbClr val="000000"/>
-          </a:solidFill>
+            <a:gdLst>
+              <a:gd name="connsiteX0" fmla="*/ 619389 w 12192000"/>
+              <a:gd name="connsiteY0" fmla="*/ 0 h 1787292"/>
+              <a:gd name="connsiteX1" fmla="*/ 687652 w 12192000"/>
+              <a:gd name="connsiteY1" fmla="*/ 3175 h 1787292"/>
+              <a:gd name="connsiteX2" fmla="*/ 747977 w 12192000"/>
+              <a:gd name="connsiteY2" fmla="*/ 9525 h 1787292"/>
+              <a:gd name="connsiteX3" fmla="*/ 800364 w 12192000"/>
+              <a:gd name="connsiteY3" fmla="*/ 20637 h 1787292"/>
+              <a:gd name="connsiteX4" fmla="*/ 846402 w 12192000"/>
+              <a:gd name="connsiteY4" fmla="*/ 36512 h 1787292"/>
+              <a:gd name="connsiteX5" fmla="*/ 887677 w 12192000"/>
+              <a:gd name="connsiteY5" fmla="*/ 52387 h 1787292"/>
+              <a:gd name="connsiteX6" fmla="*/ 924189 w 12192000"/>
+              <a:gd name="connsiteY6" fmla="*/ 68262 h 1787292"/>
+              <a:gd name="connsiteX7" fmla="*/ 962289 w 12192000"/>
+              <a:gd name="connsiteY7" fmla="*/ 87312 h 1787292"/>
+              <a:gd name="connsiteX8" fmla="*/ 1000389 w 12192000"/>
+              <a:gd name="connsiteY8" fmla="*/ 106362 h 1787292"/>
+              <a:gd name="connsiteX9" fmla="*/ 1036902 w 12192000"/>
+              <a:gd name="connsiteY9" fmla="*/ 125412 h 1787292"/>
+              <a:gd name="connsiteX10" fmla="*/ 1078177 w 12192000"/>
+              <a:gd name="connsiteY10" fmla="*/ 141287 h 1787292"/>
+              <a:gd name="connsiteX11" fmla="*/ 1124214 w 12192000"/>
+              <a:gd name="connsiteY11" fmla="*/ 155575 h 1787292"/>
+              <a:gd name="connsiteX12" fmla="*/ 1176602 w 12192000"/>
+              <a:gd name="connsiteY12" fmla="*/ 166687 h 1787292"/>
+              <a:gd name="connsiteX13" fmla="*/ 1236927 w 12192000"/>
+              <a:gd name="connsiteY13" fmla="*/ 174625 h 1787292"/>
+              <a:gd name="connsiteX14" fmla="*/ 1305189 w 12192000"/>
+              <a:gd name="connsiteY14" fmla="*/ 176212 h 1787292"/>
+              <a:gd name="connsiteX15" fmla="*/ 1373452 w 12192000"/>
+              <a:gd name="connsiteY15" fmla="*/ 174625 h 1787292"/>
+              <a:gd name="connsiteX16" fmla="*/ 1433777 w 12192000"/>
+              <a:gd name="connsiteY16" fmla="*/ 166687 h 1787292"/>
+              <a:gd name="connsiteX17" fmla="*/ 1486164 w 12192000"/>
+              <a:gd name="connsiteY17" fmla="*/ 155575 h 1787292"/>
+              <a:gd name="connsiteX18" fmla="*/ 1532202 w 12192000"/>
+              <a:gd name="connsiteY18" fmla="*/ 141287 h 1787292"/>
+              <a:gd name="connsiteX19" fmla="*/ 1573477 w 12192000"/>
+              <a:gd name="connsiteY19" fmla="*/ 125412 h 1787292"/>
+              <a:gd name="connsiteX20" fmla="*/ 1609989 w 12192000"/>
+              <a:gd name="connsiteY20" fmla="*/ 106362 h 1787292"/>
+              <a:gd name="connsiteX21" fmla="*/ 1648089 w 12192000"/>
+              <a:gd name="connsiteY21" fmla="*/ 87312 h 1787292"/>
+              <a:gd name="connsiteX22" fmla="*/ 1686189 w 12192000"/>
+              <a:gd name="connsiteY22" fmla="*/ 68262 h 1787292"/>
+              <a:gd name="connsiteX23" fmla="*/ 1722702 w 12192000"/>
+              <a:gd name="connsiteY23" fmla="*/ 52387 h 1787292"/>
+              <a:gd name="connsiteX24" fmla="*/ 1763977 w 12192000"/>
+              <a:gd name="connsiteY24" fmla="*/ 36512 h 1787292"/>
+              <a:gd name="connsiteX25" fmla="*/ 1810014 w 12192000"/>
+              <a:gd name="connsiteY25" fmla="*/ 20637 h 1787292"/>
+              <a:gd name="connsiteX26" fmla="*/ 1862402 w 12192000"/>
+              <a:gd name="connsiteY26" fmla="*/ 9525 h 1787292"/>
+              <a:gd name="connsiteX27" fmla="*/ 1922727 w 12192000"/>
+              <a:gd name="connsiteY27" fmla="*/ 3175 h 1787292"/>
+              <a:gd name="connsiteX28" fmla="*/ 1990989 w 12192000"/>
+              <a:gd name="connsiteY28" fmla="*/ 0 h 1787292"/>
+              <a:gd name="connsiteX29" fmla="*/ 2059252 w 12192000"/>
+              <a:gd name="connsiteY29" fmla="*/ 3175 h 1787292"/>
+              <a:gd name="connsiteX30" fmla="*/ 2119577 w 12192000"/>
+              <a:gd name="connsiteY30" fmla="*/ 9525 h 1787292"/>
+              <a:gd name="connsiteX31" fmla="*/ 2171964 w 12192000"/>
+              <a:gd name="connsiteY31" fmla="*/ 20637 h 1787292"/>
+              <a:gd name="connsiteX32" fmla="*/ 2218002 w 12192000"/>
+              <a:gd name="connsiteY32" fmla="*/ 36512 h 1787292"/>
+              <a:gd name="connsiteX33" fmla="*/ 2259277 w 12192000"/>
+              <a:gd name="connsiteY33" fmla="*/ 52387 h 1787292"/>
+              <a:gd name="connsiteX34" fmla="*/ 2295789 w 12192000"/>
+              <a:gd name="connsiteY34" fmla="*/ 68262 h 1787292"/>
+              <a:gd name="connsiteX35" fmla="*/ 2333889 w 12192000"/>
+              <a:gd name="connsiteY35" fmla="*/ 87312 h 1787292"/>
+              <a:gd name="connsiteX36" fmla="*/ 2371989 w 12192000"/>
+              <a:gd name="connsiteY36" fmla="*/ 106362 h 1787292"/>
+              <a:gd name="connsiteX37" fmla="*/ 2408502 w 12192000"/>
+              <a:gd name="connsiteY37" fmla="*/ 125412 h 1787292"/>
+              <a:gd name="connsiteX38" fmla="*/ 2449777 w 12192000"/>
+              <a:gd name="connsiteY38" fmla="*/ 141287 h 1787292"/>
+              <a:gd name="connsiteX39" fmla="*/ 2495814 w 12192000"/>
+              <a:gd name="connsiteY39" fmla="*/ 155575 h 1787292"/>
+              <a:gd name="connsiteX40" fmla="*/ 2548202 w 12192000"/>
+              <a:gd name="connsiteY40" fmla="*/ 166687 h 1787292"/>
+              <a:gd name="connsiteX41" fmla="*/ 2608527 w 12192000"/>
+              <a:gd name="connsiteY41" fmla="*/ 174625 h 1787292"/>
+              <a:gd name="connsiteX42" fmla="*/ 2676789 w 12192000"/>
+              <a:gd name="connsiteY42" fmla="*/ 176212 h 1787292"/>
+              <a:gd name="connsiteX43" fmla="*/ 2745052 w 12192000"/>
+              <a:gd name="connsiteY43" fmla="*/ 174625 h 1787292"/>
+              <a:gd name="connsiteX44" fmla="*/ 2805377 w 12192000"/>
+              <a:gd name="connsiteY44" fmla="*/ 166687 h 1787292"/>
+              <a:gd name="connsiteX45" fmla="*/ 2857764 w 12192000"/>
+              <a:gd name="connsiteY45" fmla="*/ 155575 h 1787292"/>
+              <a:gd name="connsiteX46" fmla="*/ 2903802 w 12192000"/>
+              <a:gd name="connsiteY46" fmla="*/ 141287 h 1787292"/>
+              <a:gd name="connsiteX47" fmla="*/ 2945077 w 12192000"/>
+              <a:gd name="connsiteY47" fmla="*/ 125412 h 1787292"/>
+              <a:gd name="connsiteX48" fmla="*/ 2981589 w 12192000"/>
+              <a:gd name="connsiteY48" fmla="*/ 106362 h 1787292"/>
+              <a:gd name="connsiteX49" fmla="*/ 3019689 w 12192000"/>
+              <a:gd name="connsiteY49" fmla="*/ 87312 h 1787292"/>
+              <a:gd name="connsiteX50" fmla="*/ 3057789 w 12192000"/>
+              <a:gd name="connsiteY50" fmla="*/ 68262 h 1787292"/>
+              <a:gd name="connsiteX51" fmla="*/ 3094302 w 12192000"/>
+              <a:gd name="connsiteY51" fmla="*/ 52387 h 1787292"/>
+              <a:gd name="connsiteX52" fmla="*/ 3135577 w 12192000"/>
+              <a:gd name="connsiteY52" fmla="*/ 36512 h 1787292"/>
+              <a:gd name="connsiteX53" fmla="*/ 3181614 w 12192000"/>
+              <a:gd name="connsiteY53" fmla="*/ 20637 h 1787292"/>
+              <a:gd name="connsiteX54" fmla="*/ 3234002 w 12192000"/>
+              <a:gd name="connsiteY54" fmla="*/ 9525 h 1787292"/>
+              <a:gd name="connsiteX55" fmla="*/ 3294327 w 12192000"/>
+              <a:gd name="connsiteY55" fmla="*/ 3175 h 1787292"/>
+              <a:gd name="connsiteX56" fmla="*/ 3361002 w 12192000"/>
+              <a:gd name="connsiteY56" fmla="*/ 0 h 1787292"/>
+              <a:gd name="connsiteX57" fmla="*/ 3430852 w 12192000"/>
+              <a:gd name="connsiteY57" fmla="*/ 3175 h 1787292"/>
+              <a:gd name="connsiteX58" fmla="*/ 3491177 w 12192000"/>
+              <a:gd name="connsiteY58" fmla="*/ 9525 h 1787292"/>
+              <a:gd name="connsiteX59" fmla="*/ 3543564 w 12192000"/>
+              <a:gd name="connsiteY59" fmla="*/ 20637 h 1787292"/>
+              <a:gd name="connsiteX60" fmla="*/ 3589602 w 12192000"/>
+              <a:gd name="connsiteY60" fmla="*/ 36512 h 1787292"/>
+              <a:gd name="connsiteX61" fmla="*/ 3630877 w 12192000"/>
+              <a:gd name="connsiteY61" fmla="*/ 52387 h 1787292"/>
+              <a:gd name="connsiteX62" fmla="*/ 3667389 w 12192000"/>
+              <a:gd name="connsiteY62" fmla="*/ 68262 h 1787292"/>
+              <a:gd name="connsiteX63" fmla="*/ 3705489 w 12192000"/>
+              <a:gd name="connsiteY63" fmla="*/ 87312 h 1787292"/>
+              <a:gd name="connsiteX64" fmla="*/ 3743589 w 12192000"/>
+              <a:gd name="connsiteY64" fmla="*/ 106362 h 1787292"/>
+              <a:gd name="connsiteX65" fmla="*/ 3780102 w 12192000"/>
+              <a:gd name="connsiteY65" fmla="*/ 125412 h 1787292"/>
+              <a:gd name="connsiteX66" fmla="*/ 3821377 w 12192000"/>
+              <a:gd name="connsiteY66" fmla="*/ 141287 h 1787292"/>
+              <a:gd name="connsiteX67" fmla="*/ 3867414 w 12192000"/>
+              <a:gd name="connsiteY67" fmla="*/ 155575 h 1787292"/>
+              <a:gd name="connsiteX68" fmla="*/ 3919802 w 12192000"/>
+              <a:gd name="connsiteY68" fmla="*/ 166687 h 1787292"/>
+              <a:gd name="connsiteX69" fmla="*/ 3980127 w 12192000"/>
+              <a:gd name="connsiteY69" fmla="*/ 174625 h 1787292"/>
+              <a:gd name="connsiteX70" fmla="*/ 4048389 w 12192000"/>
+              <a:gd name="connsiteY70" fmla="*/ 176212 h 1787292"/>
+              <a:gd name="connsiteX71" fmla="*/ 4116652 w 12192000"/>
+              <a:gd name="connsiteY71" fmla="*/ 174625 h 1787292"/>
+              <a:gd name="connsiteX72" fmla="*/ 4176977 w 12192000"/>
+              <a:gd name="connsiteY72" fmla="*/ 166687 h 1787292"/>
+              <a:gd name="connsiteX73" fmla="*/ 4229364 w 12192000"/>
+              <a:gd name="connsiteY73" fmla="*/ 155575 h 1787292"/>
+              <a:gd name="connsiteX74" fmla="*/ 4275402 w 12192000"/>
+              <a:gd name="connsiteY74" fmla="*/ 141287 h 1787292"/>
+              <a:gd name="connsiteX75" fmla="*/ 4316677 w 12192000"/>
+              <a:gd name="connsiteY75" fmla="*/ 125412 h 1787292"/>
+              <a:gd name="connsiteX76" fmla="*/ 4353189 w 12192000"/>
+              <a:gd name="connsiteY76" fmla="*/ 106362 h 1787292"/>
+              <a:gd name="connsiteX77" fmla="*/ 4429389 w 12192000"/>
+              <a:gd name="connsiteY77" fmla="*/ 68262 h 1787292"/>
+              <a:gd name="connsiteX78" fmla="*/ 4465902 w 12192000"/>
+              <a:gd name="connsiteY78" fmla="*/ 52387 h 1787292"/>
+              <a:gd name="connsiteX79" fmla="*/ 4507177 w 12192000"/>
+              <a:gd name="connsiteY79" fmla="*/ 36512 h 1787292"/>
+              <a:gd name="connsiteX80" fmla="*/ 4553214 w 12192000"/>
+              <a:gd name="connsiteY80" fmla="*/ 20637 h 1787292"/>
+              <a:gd name="connsiteX81" fmla="*/ 4605602 w 12192000"/>
+              <a:gd name="connsiteY81" fmla="*/ 9525 h 1787292"/>
+              <a:gd name="connsiteX82" fmla="*/ 4665928 w 12192000"/>
+              <a:gd name="connsiteY82" fmla="*/ 3175 h 1787292"/>
+              <a:gd name="connsiteX83" fmla="*/ 4734189 w 12192000"/>
+              <a:gd name="connsiteY83" fmla="*/ 0 h 1787292"/>
+              <a:gd name="connsiteX84" fmla="*/ 4802453 w 12192000"/>
+              <a:gd name="connsiteY84" fmla="*/ 3175 h 1787292"/>
+              <a:gd name="connsiteX85" fmla="*/ 4862777 w 12192000"/>
+              <a:gd name="connsiteY85" fmla="*/ 9525 h 1787292"/>
+              <a:gd name="connsiteX86" fmla="*/ 4915165 w 12192000"/>
+              <a:gd name="connsiteY86" fmla="*/ 20637 h 1787292"/>
+              <a:gd name="connsiteX87" fmla="*/ 4961201 w 12192000"/>
+              <a:gd name="connsiteY87" fmla="*/ 36512 h 1787292"/>
+              <a:gd name="connsiteX88" fmla="*/ 5002476 w 12192000"/>
+              <a:gd name="connsiteY88" fmla="*/ 52387 h 1787292"/>
+              <a:gd name="connsiteX89" fmla="*/ 5038989 w 12192000"/>
+              <a:gd name="connsiteY89" fmla="*/ 68262 h 1787292"/>
+              <a:gd name="connsiteX90" fmla="*/ 5077089 w 12192000"/>
+              <a:gd name="connsiteY90" fmla="*/ 87312 h 1787292"/>
+              <a:gd name="connsiteX91" fmla="*/ 5115189 w 12192000"/>
+              <a:gd name="connsiteY91" fmla="*/ 106362 h 1787292"/>
+              <a:gd name="connsiteX92" fmla="*/ 5151701 w 12192000"/>
+              <a:gd name="connsiteY92" fmla="*/ 125412 h 1787292"/>
+              <a:gd name="connsiteX93" fmla="*/ 5192976 w 12192000"/>
+              <a:gd name="connsiteY93" fmla="*/ 141287 h 1787292"/>
+              <a:gd name="connsiteX94" fmla="*/ 5239014 w 12192000"/>
+              <a:gd name="connsiteY94" fmla="*/ 155575 h 1787292"/>
+              <a:gd name="connsiteX95" fmla="*/ 5291401 w 12192000"/>
+              <a:gd name="connsiteY95" fmla="*/ 166687 h 1787292"/>
+              <a:gd name="connsiteX96" fmla="*/ 5351727 w 12192000"/>
+              <a:gd name="connsiteY96" fmla="*/ 174625 h 1787292"/>
+              <a:gd name="connsiteX97" fmla="*/ 5410199 w 12192000"/>
+              <a:gd name="connsiteY97" fmla="*/ 175985 h 1787292"/>
+              <a:gd name="connsiteX98" fmla="*/ 5468671 w 12192000"/>
+              <a:gd name="connsiteY98" fmla="*/ 174625 h 1787292"/>
+              <a:gd name="connsiteX99" fmla="*/ 5528996 w 12192000"/>
+              <a:gd name="connsiteY99" fmla="*/ 166687 h 1787292"/>
+              <a:gd name="connsiteX100" fmla="*/ 5581383 w 12192000"/>
+              <a:gd name="connsiteY100" fmla="*/ 155575 h 1787292"/>
+              <a:gd name="connsiteX101" fmla="*/ 5627421 w 12192000"/>
+              <a:gd name="connsiteY101" fmla="*/ 141287 h 1787292"/>
+              <a:gd name="connsiteX102" fmla="*/ 5668696 w 12192000"/>
+              <a:gd name="connsiteY102" fmla="*/ 125412 h 1787292"/>
+              <a:gd name="connsiteX103" fmla="*/ 5705209 w 12192000"/>
+              <a:gd name="connsiteY103" fmla="*/ 106362 h 1787292"/>
+              <a:gd name="connsiteX104" fmla="*/ 5743308 w 12192000"/>
+              <a:gd name="connsiteY104" fmla="*/ 87312 h 1787292"/>
+              <a:gd name="connsiteX105" fmla="*/ 5781408 w 12192000"/>
+              <a:gd name="connsiteY105" fmla="*/ 68262 h 1787292"/>
+              <a:gd name="connsiteX106" fmla="*/ 5817921 w 12192000"/>
+              <a:gd name="connsiteY106" fmla="*/ 52387 h 1787292"/>
+              <a:gd name="connsiteX107" fmla="*/ 5859196 w 12192000"/>
+              <a:gd name="connsiteY107" fmla="*/ 36512 h 1787292"/>
+              <a:gd name="connsiteX108" fmla="*/ 5905234 w 12192000"/>
+              <a:gd name="connsiteY108" fmla="*/ 20637 h 1787292"/>
+              <a:gd name="connsiteX109" fmla="*/ 5957621 w 12192000"/>
+              <a:gd name="connsiteY109" fmla="*/ 9525 h 1787292"/>
+              <a:gd name="connsiteX110" fmla="*/ 6017947 w 12192000"/>
+              <a:gd name="connsiteY110" fmla="*/ 3175 h 1787292"/>
+              <a:gd name="connsiteX111" fmla="*/ 6086208 w 12192000"/>
+              <a:gd name="connsiteY111" fmla="*/ 0 h 1787292"/>
+              <a:gd name="connsiteX112" fmla="*/ 6095999 w 12192000"/>
+              <a:gd name="connsiteY112" fmla="*/ 455 h 1787292"/>
+              <a:gd name="connsiteX113" fmla="*/ 6105789 w 12192000"/>
+              <a:gd name="connsiteY113" fmla="*/ 0 h 1787292"/>
+              <a:gd name="connsiteX114" fmla="*/ 6174052 w 12192000"/>
+              <a:gd name="connsiteY114" fmla="*/ 3175 h 1787292"/>
+              <a:gd name="connsiteX115" fmla="*/ 6234377 w 12192000"/>
+              <a:gd name="connsiteY115" fmla="*/ 9525 h 1787292"/>
+              <a:gd name="connsiteX116" fmla="*/ 6286764 w 12192000"/>
+              <a:gd name="connsiteY116" fmla="*/ 20637 h 1787292"/>
+              <a:gd name="connsiteX117" fmla="*/ 6332802 w 12192000"/>
+              <a:gd name="connsiteY117" fmla="*/ 36512 h 1787292"/>
+              <a:gd name="connsiteX118" fmla="*/ 6374077 w 12192000"/>
+              <a:gd name="connsiteY118" fmla="*/ 52387 h 1787292"/>
+              <a:gd name="connsiteX119" fmla="*/ 6410589 w 12192000"/>
+              <a:gd name="connsiteY119" fmla="*/ 68262 h 1787292"/>
+              <a:gd name="connsiteX120" fmla="*/ 6448689 w 12192000"/>
+              <a:gd name="connsiteY120" fmla="*/ 87312 h 1787292"/>
+              <a:gd name="connsiteX121" fmla="*/ 6486789 w 12192000"/>
+              <a:gd name="connsiteY121" fmla="*/ 106362 h 1787292"/>
+              <a:gd name="connsiteX122" fmla="*/ 6523302 w 12192000"/>
+              <a:gd name="connsiteY122" fmla="*/ 125412 h 1787292"/>
+              <a:gd name="connsiteX123" fmla="*/ 6564577 w 12192000"/>
+              <a:gd name="connsiteY123" fmla="*/ 141287 h 1787292"/>
+              <a:gd name="connsiteX124" fmla="*/ 6610614 w 12192000"/>
+              <a:gd name="connsiteY124" fmla="*/ 155575 h 1787292"/>
+              <a:gd name="connsiteX125" fmla="*/ 6663002 w 12192000"/>
+              <a:gd name="connsiteY125" fmla="*/ 166687 h 1787292"/>
+              <a:gd name="connsiteX126" fmla="*/ 6723327 w 12192000"/>
+              <a:gd name="connsiteY126" fmla="*/ 174625 h 1787292"/>
+              <a:gd name="connsiteX127" fmla="*/ 6781799 w 12192000"/>
+              <a:gd name="connsiteY127" fmla="*/ 175985 h 1787292"/>
+              <a:gd name="connsiteX128" fmla="*/ 6840271 w 12192000"/>
+              <a:gd name="connsiteY128" fmla="*/ 174625 h 1787292"/>
+              <a:gd name="connsiteX129" fmla="*/ 6900596 w 12192000"/>
+              <a:gd name="connsiteY129" fmla="*/ 166687 h 1787292"/>
+              <a:gd name="connsiteX130" fmla="*/ 6952983 w 12192000"/>
+              <a:gd name="connsiteY130" fmla="*/ 155575 h 1787292"/>
+              <a:gd name="connsiteX131" fmla="*/ 6999021 w 12192000"/>
+              <a:gd name="connsiteY131" fmla="*/ 141287 h 1787292"/>
+              <a:gd name="connsiteX132" fmla="*/ 7040296 w 12192000"/>
+              <a:gd name="connsiteY132" fmla="*/ 125412 h 1787292"/>
+              <a:gd name="connsiteX133" fmla="*/ 7076808 w 12192000"/>
+              <a:gd name="connsiteY133" fmla="*/ 106362 h 1787292"/>
+              <a:gd name="connsiteX134" fmla="*/ 7114908 w 12192000"/>
+              <a:gd name="connsiteY134" fmla="*/ 87312 h 1787292"/>
+              <a:gd name="connsiteX135" fmla="*/ 7153008 w 12192000"/>
+              <a:gd name="connsiteY135" fmla="*/ 68262 h 1787292"/>
+              <a:gd name="connsiteX136" fmla="*/ 7189521 w 12192000"/>
+              <a:gd name="connsiteY136" fmla="*/ 52387 h 1787292"/>
+              <a:gd name="connsiteX137" fmla="*/ 7230796 w 12192000"/>
+              <a:gd name="connsiteY137" fmla="*/ 36512 h 1787292"/>
+              <a:gd name="connsiteX138" fmla="*/ 7276833 w 12192000"/>
+              <a:gd name="connsiteY138" fmla="*/ 20637 h 1787292"/>
+              <a:gd name="connsiteX139" fmla="*/ 7329221 w 12192000"/>
+              <a:gd name="connsiteY139" fmla="*/ 9525 h 1787292"/>
+              <a:gd name="connsiteX140" fmla="*/ 7389546 w 12192000"/>
+              <a:gd name="connsiteY140" fmla="*/ 3175 h 1787292"/>
+              <a:gd name="connsiteX141" fmla="*/ 7457808 w 12192000"/>
+              <a:gd name="connsiteY141" fmla="*/ 0 h 1787292"/>
+              <a:gd name="connsiteX142" fmla="*/ 7526071 w 12192000"/>
+              <a:gd name="connsiteY142" fmla="*/ 3175 h 1787292"/>
+              <a:gd name="connsiteX143" fmla="*/ 7586396 w 12192000"/>
+              <a:gd name="connsiteY143" fmla="*/ 9525 h 1787292"/>
+              <a:gd name="connsiteX144" fmla="*/ 7638783 w 12192000"/>
+              <a:gd name="connsiteY144" fmla="*/ 20637 h 1787292"/>
+              <a:gd name="connsiteX145" fmla="*/ 7684821 w 12192000"/>
+              <a:gd name="connsiteY145" fmla="*/ 36512 h 1787292"/>
+              <a:gd name="connsiteX146" fmla="*/ 7726096 w 12192000"/>
+              <a:gd name="connsiteY146" fmla="*/ 52387 h 1787292"/>
+              <a:gd name="connsiteX147" fmla="*/ 7762608 w 12192000"/>
+              <a:gd name="connsiteY147" fmla="*/ 68262 h 1787292"/>
+              <a:gd name="connsiteX148" fmla="*/ 7800708 w 12192000"/>
+              <a:gd name="connsiteY148" fmla="*/ 87312 h 1787292"/>
+              <a:gd name="connsiteX149" fmla="*/ 7838808 w 12192000"/>
+              <a:gd name="connsiteY149" fmla="*/ 106362 h 1787292"/>
+              <a:gd name="connsiteX150" fmla="*/ 7875321 w 12192000"/>
+              <a:gd name="connsiteY150" fmla="*/ 125412 h 1787292"/>
+              <a:gd name="connsiteX151" fmla="*/ 7916596 w 12192000"/>
+              <a:gd name="connsiteY151" fmla="*/ 141287 h 1787292"/>
+              <a:gd name="connsiteX152" fmla="*/ 7962633 w 12192000"/>
+              <a:gd name="connsiteY152" fmla="*/ 155575 h 1787292"/>
+              <a:gd name="connsiteX153" fmla="*/ 8015021 w 12192000"/>
+              <a:gd name="connsiteY153" fmla="*/ 166687 h 1787292"/>
+              <a:gd name="connsiteX154" fmla="*/ 8075346 w 12192000"/>
+              <a:gd name="connsiteY154" fmla="*/ 174625 h 1787292"/>
+              <a:gd name="connsiteX155" fmla="*/ 8143608 w 12192000"/>
+              <a:gd name="connsiteY155" fmla="*/ 176212 h 1787292"/>
+              <a:gd name="connsiteX156" fmla="*/ 8211871 w 12192000"/>
+              <a:gd name="connsiteY156" fmla="*/ 174625 h 1787292"/>
+              <a:gd name="connsiteX157" fmla="*/ 8272196 w 12192000"/>
+              <a:gd name="connsiteY157" fmla="*/ 166687 h 1787292"/>
+              <a:gd name="connsiteX158" fmla="*/ 8324583 w 12192000"/>
+              <a:gd name="connsiteY158" fmla="*/ 155575 h 1787292"/>
+              <a:gd name="connsiteX159" fmla="*/ 8370621 w 12192000"/>
+              <a:gd name="connsiteY159" fmla="*/ 141287 h 1787292"/>
+              <a:gd name="connsiteX160" fmla="*/ 8411896 w 12192000"/>
+              <a:gd name="connsiteY160" fmla="*/ 125412 h 1787292"/>
+              <a:gd name="connsiteX161" fmla="*/ 8448408 w 12192000"/>
+              <a:gd name="connsiteY161" fmla="*/ 106362 h 1787292"/>
+              <a:gd name="connsiteX162" fmla="*/ 8486508 w 12192000"/>
+              <a:gd name="connsiteY162" fmla="*/ 87312 h 1787292"/>
+              <a:gd name="connsiteX163" fmla="*/ 8524608 w 12192000"/>
+              <a:gd name="connsiteY163" fmla="*/ 68262 h 1787292"/>
+              <a:gd name="connsiteX164" fmla="*/ 8561120 w 12192000"/>
+              <a:gd name="connsiteY164" fmla="*/ 52387 h 1787292"/>
+              <a:gd name="connsiteX165" fmla="*/ 8602396 w 12192000"/>
+              <a:gd name="connsiteY165" fmla="*/ 36512 h 1787292"/>
+              <a:gd name="connsiteX166" fmla="*/ 8648432 w 12192000"/>
+              <a:gd name="connsiteY166" fmla="*/ 20637 h 1787292"/>
+              <a:gd name="connsiteX167" fmla="*/ 8700820 w 12192000"/>
+              <a:gd name="connsiteY167" fmla="*/ 9525 h 1787292"/>
+              <a:gd name="connsiteX168" fmla="*/ 8761146 w 12192000"/>
+              <a:gd name="connsiteY168" fmla="*/ 3175 h 1787292"/>
+              <a:gd name="connsiteX169" fmla="*/ 8827820 w 12192000"/>
+              <a:gd name="connsiteY169" fmla="*/ 0 h 1787292"/>
+              <a:gd name="connsiteX170" fmla="*/ 8897670 w 12192000"/>
+              <a:gd name="connsiteY170" fmla="*/ 3175 h 1787292"/>
+              <a:gd name="connsiteX171" fmla="*/ 8957996 w 12192000"/>
+              <a:gd name="connsiteY171" fmla="*/ 9525 h 1787292"/>
+              <a:gd name="connsiteX172" fmla="*/ 9010382 w 12192000"/>
+              <a:gd name="connsiteY172" fmla="*/ 20637 h 1787292"/>
+              <a:gd name="connsiteX173" fmla="*/ 9056420 w 12192000"/>
+              <a:gd name="connsiteY173" fmla="*/ 36512 h 1787292"/>
+              <a:gd name="connsiteX174" fmla="*/ 9097696 w 12192000"/>
+              <a:gd name="connsiteY174" fmla="*/ 52387 h 1787292"/>
+              <a:gd name="connsiteX175" fmla="*/ 9134208 w 12192000"/>
+              <a:gd name="connsiteY175" fmla="*/ 68262 h 1787292"/>
+              <a:gd name="connsiteX176" fmla="*/ 9172308 w 12192000"/>
+              <a:gd name="connsiteY176" fmla="*/ 87312 h 1787292"/>
+              <a:gd name="connsiteX177" fmla="*/ 9210408 w 12192000"/>
+              <a:gd name="connsiteY177" fmla="*/ 106362 h 1787292"/>
+              <a:gd name="connsiteX178" fmla="*/ 9246920 w 12192000"/>
+              <a:gd name="connsiteY178" fmla="*/ 125412 h 1787292"/>
+              <a:gd name="connsiteX179" fmla="*/ 9288196 w 12192000"/>
+              <a:gd name="connsiteY179" fmla="*/ 141287 h 1787292"/>
+              <a:gd name="connsiteX180" fmla="*/ 9334232 w 12192000"/>
+              <a:gd name="connsiteY180" fmla="*/ 155575 h 1787292"/>
+              <a:gd name="connsiteX181" fmla="*/ 9386620 w 12192000"/>
+              <a:gd name="connsiteY181" fmla="*/ 166687 h 1787292"/>
+              <a:gd name="connsiteX182" fmla="*/ 9446946 w 12192000"/>
+              <a:gd name="connsiteY182" fmla="*/ 174625 h 1787292"/>
+              <a:gd name="connsiteX183" fmla="*/ 9515208 w 12192000"/>
+              <a:gd name="connsiteY183" fmla="*/ 176212 h 1787292"/>
+              <a:gd name="connsiteX184" fmla="*/ 9583470 w 12192000"/>
+              <a:gd name="connsiteY184" fmla="*/ 174625 h 1787292"/>
+              <a:gd name="connsiteX185" fmla="*/ 9643796 w 12192000"/>
+              <a:gd name="connsiteY185" fmla="*/ 166687 h 1787292"/>
+              <a:gd name="connsiteX186" fmla="*/ 9696182 w 12192000"/>
+              <a:gd name="connsiteY186" fmla="*/ 155575 h 1787292"/>
+              <a:gd name="connsiteX187" fmla="*/ 9742220 w 12192000"/>
+              <a:gd name="connsiteY187" fmla="*/ 141287 h 1787292"/>
+              <a:gd name="connsiteX188" fmla="*/ 9783496 w 12192000"/>
+              <a:gd name="connsiteY188" fmla="*/ 125412 h 1787292"/>
+              <a:gd name="connsiteX189" fmla="*/ 9820008 w 12192000"/>
+              <a:gd name="connsiteY189" fmla="*/ 106362 h 1787292"/>
+              <a:gd name="connsiteX190" fmla="*/ 9896208 w 12192000"/>
+              <a:gd name="connsiteY190" fmla="*/ 68262 h 1787292"/>
+              <a:gd name="connsiteX191" fmla="*/ 9932720 w 12192000"/>
+              <a:gd name="connsiteY191" fmla="*/ 52387 h 1787292"/>
+              <a:gd name="connsiteX192" fmla="*/ 9973996 w 12192000"/>
+              <a:gd name="connsiteY192" fmla="*/ 36512 h 1787292"/>
+              <a:gd name="connsiteX193" fmla="*/ 10020032 w 12192000"/>
+              <a:gd name="connsiteY193" fmla="*/ 20637 h 1787292"/>
+              <a:gd name="connsiteX194" fmla="*/ 10072420 w 12192000"/>
+              <a:gd name="connsiteY194" fmla="*/ 9525 h 1787292"/>
+              <a:gd name="connsiteX195" fmla="*/ 10132746 w 12192000"/>
+              <a:gd name="connsiteY195" fmla="*/ 3175 h 1787292"/>
+              <a:gd name="connsiteX196" fmla="*/ 10201008 w 12192000"/>
+              <a:gd name="connsiteY196" fmla="*/ 0 h 1787292"/>
+              <a:gd name="connsiteX197" fmla="*/ 10269270 w 12192000"/>
+              <a:gd name="connsiteY197" fmla="*/ 3175 h 1787292"/>
+              <a:gd name="connsiteX198" fmla="*/ 10329596 w 12192000"/>
+              <a:gd name="connsiteY198" fmla="*/ 9525 h 1787292"/>
+              <a:gd name="connsiteX199" fmla="*/ 10381982 w 12192000"/>
+              <a:gd name="connsiteY199" fmla="*/ 20637 h 1787292"/>
+              <a:gd name="connsiteX200" fmla="*/ 10428020 w 12192000"/>
+              <a:gd name="connsiteY200" fmla="*/ 36512 h 1787292"/>
+              <a:gd name="connsiteX201" fmla="*/ 10469296 w 12192000"/>
+              <a:gd name="connsiteY201" fmla="*/ 52387 h 1787292"/>
+              <a:gd name="connsiteX202" fmla="*/ 10505808 w 12192000"/>
+              <a:gd name="connsiteY202" fmla="*/ 68262 h 1787292"/>
+              <a:gd name="connsiteX203" fmla="*/ 10543908 w 12192000"/>
+              <a:gd name="connsiteY203" fmla="*/ 87312 h 1787292"/>
+              <a:gd name="connsiteX204" fmla="*/ 10582008 w 12192000"/>
+              <a:gd name="connsiteY204" fmla="*/ 106362 h 1787292"/>
+              <a:gd name="connsiteX205" fmla="*/ 10618520 w 12192000"/>
+              <a:gd name="connsiteY205" fmla="*/ 125412 h 1787292"/>
+              <a:gd name="connsiteX206" fmla="*/ 10659796 w 12192000"/>
+              <a:gd name="connsiteY206" fmla="*/ 141287 h 1787292"/>
+              <a:gd name="connsiteX207" fmla="*/ 10705832 w 12192000"/>
+              <a:gd name="connsiteY207" fmla="*/ 155575 h 1787292"/>
+              <a:gd name="connsiteX208" fmla="*/ 10758220 w 12192000"/>
+              <a:gd name="connsiteY208" fmla="*/ 166687 h 1787292"/>
+              <a:gd name="connsiteX209" fmla="*/ 10818546 w 12192000"/>
+              <a:gd name="connsiteY209" fmla="*/ 174625 h 1787292"/>
+              <a:gd name="connsiteX210" fmla="*/ 10886808 w 12192000"/>
+              <a:gd name="connsiteY210" fmla="*/ 176212 h 1787292"/>
+              <a:gd name="connsiteX211" fmla="*/ 10955070 w 12192000"/>
+              <a:gd name="connsiteY211" fmla="*/ 174625 h 1787292"/>
+              <a:gd name="connsiteX212" fmla="*/ 11015396 w 12192000"/>
+              <a:gd name="connsiteY212" fmla="*/ 166687 h 1787292"/>
+              <a:gd name="connsiteX213" fmla="*/ 11067782 w 12192000"/>
+              <a:gd name="connsiteY213" fmla="*/ 155575 h 1787292"/>
+              <a:gd name="connsiteX214" fmla="*/ 11113820 w 12192000"/>
+              <a:gd name="connsiteY214" fmla="*/ 141287 h 1787292"/>
+              <a:gd name="connsiteX215" fmla="*/ 11155096 w 12192000"/>
+              <a:gd name="connsiteY215" fmla="*/ 125412 h 1787292"/>
+              <a:gd name="connsiteX216" fmla="*/ 11191608 w 12192000"/>
+              <a:gd name="connsiteY216" fmla="*/ 106362 h 1787292"/>
+              <a:gd name="connsiteX217" fmla="*/ 11229708 w 12192000"/>
+              <a:gd name="connsiteY217" fmla="*/ 87312 h 1787292"/>
+              <a:gd name="connsiteX218" fmla="*/ 11267808 w 12192000"/>
+              <a:gd name="connsiteY218" fmla="*/ 68262 h 1787292"/>
+              <a:gd name="connsiteX219" fmla="*/ 11304320 w 12192000"/>
+              <a:gd name="connsiteY219" fmla="*/ 52387 h 1787292"/>
+              <a:gd name="connsiteX220" fmla="*/ 11345596 w 12192000"/>
+              <a:gd name="connsiteY220" fmla="*/ 36512 h 1787292"/>
+              <a:gd name="connsiteX221" fmla="*/ 11391632 w 12192000"/>
+              <a:gd name="connsiteY221" fmla="*/ 20637 h 1787292"/>
+              <a:gd name="connsiteX222" fmla="*/ 11444020 w 12192000"/>
+              <a:gd name="connsiteY222" fmla="*/ 9525 h 1787292"/>
+              <a:gd name="connsiteX223" fmla="*/ 11504346 w 12192000"/>
+              <a:gd name="connsiteY223" fmla="*/ 3175 h 1787292"/>
+              <a:gd name="connsiteX224" fmla="*/ 11572608 w 12192000"/>
+              <a:gd name="connsiteY224" fmla="*/ 0 h 1787292"/>
+              <a:gd name="connsiteX225" fmla="*/ 11640870 w 12192000"/>
+              <a:gd name="connsiteY225" fmla="*/ 3175 h 1787292"/>
+              <a:gd name="connsiteX226" fmla="*/ 11701196 w 12192000"/>
+              <a:gd name="connsiteY226" fmla="*/ 9525 h 1787292"/>
+              <a:gd name="connsiteX227" fmla="*/ 11753582 w 12192000"/>
+              <a:gd name="connsiteY227" fmla="*/ 20637 h 1787292"/>
+              <a:gd name="connsiteX228" fmla="*/ 11799620 w 12192000"/>
+              <a:gd name="connsiteY228" fmla="*/ 36512 h 1787292"/>
+              <a:gd name="connsiteX229" fmla="*/ 11840896 w 12192000"/>
+              <a:gd name="connsiteY229" fmla="*/ 52387 h 1787292"/>
+              <a:gd name="connsiteX230" fmla="*/ 11877408 w 12192000"/>
+              <a:gd name="connsiteY230" fmla="*/ 68262 h 1787292"/>
+              <a:gd name="connsiteX231" fmla="*/ 11915508 w 12192000"/>
+              <a:gd name="connsiteY231" fmla="*/ 87312 h 1787292"/>
+              <a:gd name="connsiteX232" fmla="*/ 11953608 w 12192000"/>
+              <a:gd name="connsiteY232" fmla="*/ 106362 h 1787292"/>
+              <a:gd name="connsiteX233" fmla="*/ 11990120 w 12192000"/>
+              <a:gd name="connsiteY233" fmla="*/ 125412 h 1787292"/>
+              <a:gd name="connsiteX234" fmla="*/ 12031396 w 12192000"/>
+              <a:gd name="connsiteY234" fmla="*/ 141287 h 1787292"/>
+              <a:gd name="connsiteX235" fmla="*/ 12077432 w 12192000"/>
+              <a:gd name="connsiteY235" fmla="*/ 155575 h 1787292"/>
+              <a:gd name="connsiteX236" fmla="*/ 12129820 w 12192000"/>
+              <a:gd name="connsiteY236" fmla="*/ 166688 h 1787292"/>
+              <a:gd name="connsiteX237" fmla="*/ 12190146 w 12192000"/>
+              <a:gd name="connsiteY237" fmla="*/ 174625 h 1787292"/>
+              <a:gd name="connsiteX238" fmla="*/ 12192000 w 12192000"/>
+              <a:gd name="connsiteY238" fmla="*/ 174668 h 1787292"/>
+              <a:gd name="connsiteX239" fmla="*/ 12192000 w 12192000"/>
+              <a:gd name="connsiteY239" fmla="*/ 885826 h 1787292"/>
+              <a:gd name="connsiteX240" fmla="*/ 12192000 w 12192000"/>
+              <a:gd name="connsiteY240" fmla="*/ 1787292 h 1787292"/>
+              <a:gd name="connsiteX241" fmla="*/ 0 w 12192000"/>
+              <a:gd name="connsiteY241" fmla="*/ 1787292 h 1787292"/>
+              <a:gd name="connsiteX242" fmla="*/ 0 w 12192000"/>
+              <a:gd name="connsiteY242" fmla="*/ 885826 h 1787292"/>
+              <a:gd name="connsiteX243" fmla="*/ 0 w 12192000"/>
+              <a:gd name="connsiteY243" fmla="*/ 174668 h 1787292"/>
+              <a:gd name="connsiteX244" fmla="*/ 1852 w 12192000"/>
+              <a:gd name="connsiteY244" fmla="*/ 174625 h 1787292"/>
+              <a:gd name="connsiteX245" fmla="*/ 62177 w 12192000"/>
+              <a:gd name="connsiteY245" fmla="*/ 166687 h 1787292"/>
+              <a:gd name="connsiteX246" fmla="*/ 114564 w 12192000"/>
+              <a:gd name="connsiteY246" fmla="*/ 155575 h 1787292"/>
+              <a:gd name="connsiteX247" fmla="*/ 160602 w 12192000"/>
+              <a:gd name="connsiteY247" fmla="*/ 141287 h 1787292"/>
+              <a:gd name="connsiteX248" fmla="*/ 201877 w 12192000"/>
+              <a:gd name="connsiteY248" fmla="*/ 125412 h 1787292"/>
+              <a:gd name="connsiteX249" fmla="*/ 238389 w 12192000"/>
+              <a:gd name="connsiteY249" fmla="*/ 106362 h 1787292"/>
+              <a:gd name="connsiteX250" fmla="*/ 276489 w 12192000"/>
+              <a:gd name="connsiteY250" fmla="*/ 87312 h 1787292"/>
+              <a:gd name="connsiteX251" fmla="*/ 314589 w 12192000"/>
+              <a:gd name="connsiteY251" fmla="*/ 68262 h 1787292"/>
+              <a:gd name="connsiteX252" fmla="*/ 351102 w 12192000"/>
+              <a:gd name="connsiteY252" fmla="*/ 52387 h 1787292"/>
+              <a:gd name="connsiteX253" fmla="*/ 392377 w 12192000"/>
+              <a:gd name="connsiteY253" fmla="*/ 36512 h 1787292"/>
+              <a:gd name="connsiteX254" fmla="*/ 438414 w 12192000"/>
+              <a:gd name="connsiteY254" fmla="*/ 20637 h 1787292"/>
+              <a:gd name="connsiteX255" fmla="*/ 490802 w 12192000"/>
+              <a:gd name="connsiteY255" fmla="*/ 9525 h 1787292"/>
+              <a:gd name="connsiteX256" fmla="*/ 551127 w 12192000"/>
+              <a:gd name="connsiteY256" fmla="*/ 3175 h 1787292"/>
+            </a:gdLst>
+            <a:ahLst/>
+            <a:cxnLst>
+              <a:cxn ang="0">
+                <a:pos x="connsiteX0" y="connsiteY0"/>
+              </a:cxn>
+              <a:cxn ang="0">
+                <a:pos x="connsiteX1" y="connsiteY1"/>
+              </a:cxn>
+              <a:cxn ang="0">
+                <a:pos x="connsiteX2" y="connsiteY2"/>
+              </a:cxn>
+              <a:cxn ang="0">
+                <a:pos x="connsiteX3" y="connsiteY3"/>
+              </a:cxn>
+              <a:cxn ang="0">
+                <a:pos x="connsiteX4" y="connsiteY4"/>
+              </a:cxn>
+              <a:cxn ang="0">
+                <a:pos x="connsiteX5" y="connsiteY5"/>
+              </a:cxn>
+              <a:cxn ang="0">
+                <a:pos x="connsiteX6" y="connsiteY6"/>
+              </a:cxn>
+              <a:cxn ang="0">
+                <a:pos x="connsiteX7" y="connsiteY7"/>
+              </a:cxn>
+              <a:cxn ang="0">
+                <a:pos x="connsiteX8" y="connsiteY8"/>
+              </a:cxn>
+              <a:cxn ang="0">
+                <a:pos x="connsiteX9" y="connsiteY9"/>
+              </a:cxn>
+              <a:cxn ang="0">
+                <a:pos x="connsiteX10" y="connsiteY10"/>
+              </a:cxn>
+              <a:cxn ang="0">
+                <a:pos x="connsiteX11" y="connsiteY11"/>
+              </a:cxn>
+              <a:cxn ang="0">
+                <a:pos x="connsiteX12" y="connsiteY12"/>
+              </a:cxn>
+              <a:cxn ang="0">
+                <a:pos x="connsiteX13" y="connsiteY13"/>
+              </a:cxn>
+              <a:cxn ang="0">
+                <a:pos x="connsiteX14" y="connsiteY14"/>
+              </a:cxn>
+              <a:cxn ang="0">
+                <a:pos x="connsiteX15" y="connsiteY15"/>
+              </a:cxn>
+              <a:cxn ang="0">
+                <a:pos x="connsiteX16" y="connsiteY16"/>
+              </a:cxn>
+              <a:cxn ang="0">
+                <a:pos x="connsiteX17" y="connsiteY17"/>
+              </a:cxn>
+              <a:cxn ang="0">
+                <a:pos x="connsiteX18" y="connsiteY18"/>
+              </a:cxn>
+              <a:cxn ang="0">
+                <a:pos x="connsiteX19" y="connsiteY19"/>
+              </a:cxn>
+              <a:cxn ang="0">
+                <a:pos x="connsiteX20" y="connsiteY20"/>
+              </a:cxn>
+              <a:cxn ang="0">
+                <a:pos x="connsiteX21" y="connsiteY21"/>
+              </a:cxn>
+              <a:cxn ang="0">
+                <a:pos x="connsiteX22" y="connsiteY22"/>
+              </a:cxn>
+              <a:cxn ang="0">
+                <a:pos x="connsiteX23" y="connsiteY23"/>
+              </a:cxn>
+              <a:cxn ang="0">
+                <a:pos x="connsiteX24" y="connsiteY24"/>
+              </a:cxn>
+              <a:cxn ang="0">
+                <a:pos x="connsiteX25" y="connsiteY25"/>
+              </a:cxn>
+              <a:cxn ang="0">
+                <a:pos x="connsiteX26" y="connsiteY26"/>
+              </a:cxn>
+              <a:cxn ang="0">
+                <a:pos x="connsiteX27" y="connsiteY27"/>
+              </a:cxn>
+              <a:cxn ang="0">
+                <a:pos x="connsiteX28" y="connsiteY28"/>
+              </a:cxn>
+              <a:cxn ang="0">
+                <a:pos x="connsiteX29" y="connsiteY29"/>
+              </a:cxn>
+              <a:cxn ang="0">
+                <a:pos x="connsiteX30" y="connsiteY30"/>
+              </a:cxn>
+              <a:cxn ang="0">
+                <a:pos x="connsiteX31" y="connsiteY31"/>
+              </a:cxn>
+              <a:cxn ang="0">
+                <a:pos x="connsiteX32" y="connsiteY32"/>
+              </a:cxn>
+              <a:cxn ang="0">
+                <a:pos x="connsiteX33" y="connsiteY33"/>
+              </a:cxn>
+              <a:cxn ang="0">
+                <a:pos x="connsiteX34" y="connsiteY34"/>
+              </a:cxn>
+              <a:cxn ang="0">
+                <a:pos x="connsiteX35" y="connsiteY35"/>
+              </a:cxn>
+              <a:cxn ang="0">
+                <a:pos x="connsiteX36" y="connsiteY36"/>
+              </a:cxn>
+              <a:cxn ang="0">
+                <a:pos x="connsiteX37" y="connsiteY37"/>
+              </a:cxn>
+              <a:cxn ang="0">
+                <a:pos x="connsiteX38" y="connsiteY38"/>
+              </a:cxn>
+              <a:cxn ang="0">
+                <a:pos x="connsiteX39" y="connsiteY39"/>
+              </a:cxn>
+              <a:cxn ang="0">
+                <a:pos x="connsiteX40" y="connsiteY40"/>
+              </a:cxn>
+              <a:cxn ang="0">
+                <a:pos x="connsiteX41" y="connsiteY41"/>
+              </a:cxn>
+              <a:cxn ang="0">
+                <a:pos x="connsiteX42" y="connsiteY42"/>
+              </a:cxn>
+              <a:cxn ang="0">
+                <a:pos x="connsiteX43" y="connsiteY43"/>
+              </a:cxn>
+              <a:cxn ang="0">
+                <a:pos x="connsiteX44" y="connsiteY44"/>
+              </a:cxn>
+              <a:cxn ang="0">
+                <a:pos x="connsiteX45" y="connsiteY45"/>
+              </a:cxn>
+              <a:cxn ang="0">
+                <a:pos x="connsiteX46" y="connsiteY46"/>
+              </a:cxn>
+              <a:cxn ang="0">
+                <a:pos x="connsiteX47" y="connsiteY47"/>
+              </a:cxn>
+              <a:cxn ang="0">
+                <a:pos x="connsiteX48" y="connsiteY48"/>
+              </a:cxn>
+              <a:cxn ang="0">
+                <a:pos x="connsiteX49" y="connsiteY49"/>
+              </a:cxn>
+              <a:cxn ang="0">
+                <a:pos x="connsiteX50" y="connsiteY50"/>
+              </a:cxn>
+              <a:cxn ang="0">
+                <a:pos x="connsiteX51" y="connsiteY51"/>
+              </a:cxn>
+              <a:cxn ang="0">
+                <a:pos x="connsiteX52" y="connsiteY52"/>
+              </a:cxn>
+              <a:cxn ang="0">
+                <a:pos x="connsiteX53" y="connsiteY53"/>
+              </a:cxn>
+              <a:cxn ang="0">
+                <a:pos x="connsiteX54" y="connsiteY54"/>
+              </a:cxn>
+              <a:cxn ang="0">
+                <a:pos x="connsiteX55" y="connsiteY55"/>
+              </a:cxn>
+              <a:cxn ang="0">
+                <a:pos x="connsiteX56" y="connsiteY56"/>
+              </a:cxn>
+              <a:cxn ang="0">
+                <a:pos x="connsiteX57" y="connsiteY57"/>
+              </a:cxn>
+              <a:cxn ang="0">
+                <a:pos x="connsiteX58" y="connsiteY58"/>
+              </a:cxn>
+              <a:cxn ang="0">
+                <a:pos x="connsiteX59" y="connsiteY59"/>
+              </a:cxn>
+              <a:cxn ang="0">
+                <a:pos x="connsiteX60" y="connsiteY60"/>
+              </a:cxn>
+              <a:cxn ang="0">
+                <a:pos x="connsiteX61" y="connsiteY61"/>
+              </a:cxn>
+              <a:cxn ang="0">
+                <a:pos x="connsiteX62" y="connsiteY62"/>
+              </a:cxn>
+              <a:cxn ang="0">
+                <a:pos x="connsiteX63" y="connsiteY63"/>
+              </a:cxn>
+              <a:cxn ang="0">
+                <a:pos x="connsiteX64" y="connsiteY64"/>
+              </a:cxn>
+              <a:cxn ang="0">
+                <a:pos x="connsiteX65" y="connsiteY65"/>
+              </a:cxn>
+              <a:cxn ang="0">
+                <a:pos x="connsiteX66" y="connsiteY66"/>
+              </a:cxn>
+              <a:cxn ang="0">
+                <a:pos x="connsiteX67" y="connsiteY67"/>
+              </a:cxn>
+              <a:cxn ang="0">
+                <a:pos x="connsiteX68" y="connsiteY68"/>
+              </a:cxn>
+              <a:cxn ang="0">
+                <a:pos x="connsiteX69" y="connsiteY69"/>
+              </a:cxn>
+              <a:cxn ang="0">
+                <a:pos x="connsiteX70" y="connsiteY70"/>
+              </a:cxn>
+              <a:cxn ang="0">
+                <a:pos x="connsiteX71" y="connsiteY71"/>
+              </a:cxn>
+              <a:cxn ang="0">
+                <a:pos x="connsiteX72" y="connsiteY72"/>
+              </a:cxn>
+              <a:cxn ang="0">
+                <a:pos x="connsiteX73" y="connsiteY73"/>
+              </a:cxn>
+              <a:cxn ang="0">
+                <a:pos x="connsiteX74" y="connsiteY74"/>
+              </a:cxn>
+              <a:cxn ang="0">
+                <a:pos x="connsiteX75" y="connsiteY75"/>
+              </a:cxn>
+              <a:cxn ang="0">
+                <a:pos x="connsiteX76" y="connsiteY76"/>
+              </a:cxn>
+              <a:cxn ang="0">
+                <a:pos x="connsiteX77" y="connsiteY77"/>
+              </a:cxn>
+              <a:cxn ang="0">
+                <a:pos x="connsiteX78" y="connsiteY78"/>
+              </a:cxn>
+              <a:cxn ang="0">
+                <a:pos x="connsiteX79" y="connsiteY79"/>
+              </a:cxn>
+              <a:cxn ang="0">
+                <a:pos x="connsiteX80" y="connsiteY80"/>
+              </a:cxn>
+              <a:cxn ang="0">
+                <a:pos x="connsiteX81" y="connsiteY81"/>
+              </a:cxn>
+              <a:cxn ang="0">
+                <a:pos x="connsiteX82" y="connsiteY82"/>
+              </a:cxn>
+              <a:cxn ang="0">
+                <a:pos x="connsiteX83" y="connsiteY83"/>
+              </a:cxn>
+              <a:cxn ang="0">
+                <a:pos x="connsiteX84" y="connsiteY84"/>
+              </a:cxn>
+              <a:cxn ang="0">
+                <a:pos x="connsiteX85" y="connsiteY85"/>
+              </a:cxn>
+              <a:cxn ang="0">
+                <a:pos x="connsiteX86" y="connsiteY86"/>
+              </a:cxn>
+              <a:cxn ang="0">
+                <a:pos x="connsiteX87" y="connsiteY87"/>
+              </a:cxn>
+              <a:cxn ang="0">
+                <a:pos x="connsiteX88" y="connsiteY88"/>
+              </a:cxn>
+              <a:cxn ang="0">
+                <a:pos x="connsiteX89" y="connsiteY89"/>
+              </a:cxn>
+              <a:cxn ang="0">
+                <a:pos x="connsiteX90" y="connsiteY90"/>
+              </a:cxn>
+              <a:cxn ang="0">
+                <a:pos x="connsiteX91" y="connsiteY91"/>
+              </a:cxn>
+              <a:cxn ang="0">
+                <a:pos x="connsiteX92" y="connsiteY92"/>
+              </a:cxn>
+              <a:cxn ang="0">
+                <a:pos x="connsiteX93" y="connsiteY93"/>
+              </a:cxn>
+              <a:cxn ang="0">
+                <a:pos x="connsiteX94" y="connsiteY94"/>
+              </a:cxn>
+              <a:cxn ang="0">
+                <a:pos x="connsiteX95" y="connsiteY95"/>
+              </a:cxn>
+              <a:cxn ang="0">
+                <a:pos x="connsiteX96" y="connsiteY96"/>
+              </a:cxn>
+              <a:cxn ang="0">
+                <a:pos x="connsiteX97" y="connsiteY97"/>
+              </a:cxn>
+              <a:cxn ang="0">
+                <a:pos x="connsiteX98" y="connsiteY98"/>
+              </a:cxn>
+              <a:cxn ang="0">
+                <a:pos x="connsiteX99" y="connsiteY99"/>
+              </a:cxn>
+              <a:cxn ang="0">
+                <a:pos x="connsiteX100" y="connsiteY100"/>
+              </a:cxn>
+              <a:cxn ang="0">
+                <a:pos x="connsiteX101" y="connsiteY101"/>
+              </a:cxn>
+              <a:cxn ang="0">
+                <a:pos x="connsiteX102" y="connsiteY102"/>
+              </a:cxn>
+              <a:cxn ang="0">
+                <a:pos x="connsiteX103" y="connsiteY103"/>
+              </a:cxn>
+              <a:cxn ang="0">
+                <a:pos x="connsiteX104" y="connsiteY104"/>
+              </a:cxn>
+              <a:cxn ang="0">
+                <a:pos x="connsiteX105" y="connsiteY105"/>
+              </a:cxn>
+              <a:cxn ang="0">
+                <a:pos x="connsiteX106" y="connsiteY106"/>
+              </a:cxn>
+              <a:cxn ang="0">
+                <a:pos x="connsiteX107" y="connsiteY107"/>
+              </a:cxn>
+              <a:cxn ang="0">
+                <a:pos x="connsiteX108" y="connsiteY108"/>
+              </a:cxn>
+              <a:cxn ang="0">
+                <a:pos x="connsiteX109" y="connsiteY109"/>
+              </a:cxn>
+              <a:cxn ang="0">
+                <a:pos x="connsiteX110" y="connsiteY110"/>
+              </a:cxn>
+              <a:cxn ang="0">
+                <a:pos x="connsiteX111" y="connsiteY111"/>
+              </a:cxn>
+              <a:cxn ang="0">
+                <a:pos x="connsiteX112" y="connsiteY112"/>
+              </a:cxn>
+              <a:cxn ang="0">
+                <a:pos x="connsiteX113" y="connsiteY113"/>
+              </a:cxn>
+              <a:cxn ang="0">
+                <a:pos x="connsiteX114" y="connsiteY114"/>
+              </a:cxn>
+              <a:cxn ang="0">
+                <a:pos x="connsiteX115" y="connsiteY115"/>
+              </a:cxn>
+              <a:cxn ang="0">
+                <a:pos x="connsiteX116" y="connsiteY116"/>
+              </a:cxn>
+              <a:cxn ang="0">
+                <a:pos x="connsiteX117" y="connsiteY117"/>
+              </a:cxn>
+              <a:cxn ang="0">
+                <a:pos x="connsiteX118" y="connsiteY118"/>
+              </a:cxn>
+              <a:cxn ang="0">
+                <a:pos x="connsiteX119" y="connsiteY119"/>
+              </a:cxn>
+              <a:cxn ang="0">
+                <a:pos x="connsiteX120" y="connsiteY120"/>
+              </a:cxn>
+              <a:cxn ang="0">
+                <a:pos x="connsiteX121" y="connsiteY121"/>
+              </a:cxn>
+              <a:cxn ang="0">
+                <a:pos x="connsiteX122" y="connsiteY122"/>
+              </a:cxn>
+              <a:cxn ang="0">
+                <a:pos x="connsiteX123" y="connsiteY123"/>
+              </a:cxn>
+              <a:cxn ang="0">
+                <a:pos x="connsiteX124" y="connsiteY124"/>
+              </a:cxn>
+              <a:cxn ang="0">
+                <a:pos x="connsiteX125" y="connsiteY125"/>
+              </a:cxn>
+              <a:cxn ang="0">
+                <a:pos x="connsiteX126" y="connsiteY126"/>
+              </a:cxn>
+              <a:cxn ang="0">
+                <a:pos x="connsiteX127" y="connsiteY127"/>
+              </a:cxn>
+              <a:cxn ang="0">
+                <a:pos x="connsiteX128" y="connsiteY128"/>
+              </a:cxn>
+              <a:cxn ang="0">
+                <a:pos x="connsiteX129" y="connsiteY129"/>
+              </a:cxn>
+              <a:cxn ang="0">
+                <a:pos x="connsiteX130" y="connsiteY130"/>
+              </a:cxn>
+              <a:cxn ang="0">
+                <a:pos x="connsiteX131" y="connsiteY131"/>
+              </a:cxn>
+              <a:cxn ang="0">
+                <a:pos x="connsiteX132" y="connsiteY132"/>
+              </a:cxn>
+              <a:cxn ang="0">
+                <a:pos x="connsiteX133" y="connsiteY133"/>
+              </a:cxn>
+              <a:cxn ang="0">
+                <a:pos x="connsiteX134" y="connsiteY134"/>
+              </a:cxn>
+              <a:cxn ang="0">
+                <a:pos x="connsiteX135" y="connsiteY135"/>
+              </a:cxn>
+              <a:cxn ang="0">
+                <a:pos x="connsiteX136" y="connsiteY136"/>
+              </a:cxn>
+              <a:cxn ang="0">
+                <a:pos x="connsiteX137" y="connsiteY137"/>
+              </a:cxn>
+              <a:cxn ang="0">
+                <a:pos x="connsiteX138" y="connsiteY138"/>
+              </a:cxn>
+              <a:cxn ang="0">
+                <a:pos x="connsiteX139" y="connsiteY139"/>
+              </a:cxn>
+              <a:cxn ang="0">
+                <a:pos x="connsiteX140" y="connsiteY140"/>
+              </a:cxn>
+              <a:cxn ang="0">
+                <a:pos x="connsiteX141" y="connsiteY141"/>
+              </a:cxn>
+              <a:cxn ang="0">
+                <a:pos x="connsiteX142" y="connsiteY142"/>
+              </a:cxn>
+              <a:cxn ang="0">
+                <a:pos x="connsiteX143" y="connsiteY143"/>
+              </a:cxn>
+              <a:cxn ang="0">
+                <a:pos x="connsiteX144" y="connsiteY144"/>
+              </a:cxn>
+              <a:cxn ang="0">
+                <a:pos x="connsiteX145" y="connsiteY145"/>
+              </a:cxn>
+              <a:cxn ang="0">
+                <a:pos x="connsiteX146" y="connsiteY146"/>
+              </a:cxn>
+              <a:cxn ang="0">
+                <a:pos x="connsiteX147" y="connsiteY147"/>
+              </a:cxn>
+              <a:cxn ang="0">
+                <a:pos x="connsiteX148" y="connsiteY148"/>
+              </a:cxn>
+              <a:cxn ang="0">
+                <a:pos x="connsiteX149" y="connsiteY149"/>
+              </a:cxn>
+              <a:cxn ang="0">
+                <a:pos x="connsiteX150" y="connsiteY150"/>
+              </a:cxn>
+              <a:cxn ang="0">
+                <a:pos x="connsiteX151" y="connsiteY151"/>
+              </a:cxn>
+              <a:cxn ang="0">
+                <a:pos x="connsiteX152" y="connsiteY152"/>
+              </a:cxn>
+              <a:cxn ang="0">
+                <a:pos x="connsiteX153" y="connsiteY153"/>
+              </a:cxn>
+              <a:cxn ang="0">
+                <a:pos x="connsiteX154" y="connsiteY154"/>
+              </a:cxn>
+              <a:cxn ang="0">
+                <a:pos x="connsiteX155" y="connsiteY155"/>
+              </a:cxn>
+              <a:cxn ang="0">
+                <a:pos x="connsiteX156" y="connsiteY156"/>
+              </a:cxn>
+              <a:cxn ang="0">
+                <a:pos x="connsiteX157" y="connsiteY157"/>
+              </a:cxn>
+              <a:cxn ang="0">
+                <a:pos x="connsiteX158" y="connsiteY158"/>
+              </a:cxn>
+              <a:cxn ang="0">
+                <a:pos x="connsiteX159" y="connsiteY159"/>
+              </a:cxn>
+              <a:cxn ang="0">
+                <a:pos x="connsiteX160" y="connsiteY160"/>
+              </a:cxn>
+              <a:cxn ang="0">
+                <a:pos x="connsiteX161" y="connsiteY161"/>
+              </a:cxn>
+              <a:cxn ang="0">
+                <a:pos x="connsiteX162" y="connsiteY162"/>
+              </a:cxn>
+              <a:cxn ang="0">
+                <a:pos x="connsiteX163" y="connsiteY163"/>
+              </a:cxn>
+              <a:cxn ang="0">
+                <a:pos x="connsiteX164" y="connsiteY164"/>
+              </a:cxn>
+              <a:cxn ang="0">
+                <a:pos x="connsiteX165" y="connsiteY165"/>
+              </a:cxn>
+              <a:cxn ang="0">
+                <a:pos x="connsiteX166" y="connsiteY166"/>
+              </a:cxn>
+              <a:cxn ang="0">
+                <a:pos x="connsiteX167" y="connsiteY167"/>
+              </a:cxn>
+              <a:cxn ang="0">
+                <a:pos x="connsiteX168" y="connsiteY168"/>
+              </a:cxn>
+              <a:cxn ang="0">
+                <a:pos x="connsiteX169" y="connsiteY169"/>
+              </a:cxn>
+              <a:cxn ang="0">
+                <a:pos x="connsiteX170" y="connsiteY170"/>
+              </a:cxn>
+              <a:cxn ang="0">
+                <a:pos x="connsiteX171" y="connsiteY171"/>
+              </a:cxn>
+              <a:cxn ang="0">
+                <a:pos x="connsiteX172" y="connsiteY172"/>
+              </a:cxn>
+              <a:cxn ang="0">
+                <a:pos x="connsiteX173" y="connsiteY173"/>
+              </a:cxn>
+              <a:cxn ang="0">
+                <a:pos x="connsiteX174" y="connsiteY174"/>
+              </a:cxn>
+              <a:cxn ang="0">
+                <a:pos x="connsiteX175" y="connsiteY175"/>
+              </a:cxn>
+              <a:cxn ang="0">
+                <a:pos x="connsiteX176" y="connsiteY176"/>
+              </a:cxn>
+              <a:cxn ang="0">
+                <a:pos x="connsiteX177" y="connsiteY177"/>
+              </a:cxn>
+              <a:cxn ang="0">
+                <a:pos x="connsiteX178" y="connsiteY178"/>
+              </a:cxn>
+              <a:cxn ang="0">
+                <a:pos x="connsiteX179" y="connsiteY179"/>
+              </a:cxn>
+              <a:cxn ang="0">
+                <a:pos x="connsiteX180" y="connsiteY180"/>
+              </a:cxn>
+              <a:cxn ang="0">
+                <a:pos x="connsiteX181" y="connsiteY181"/>
+              </a:cxn>
+              <a:cxn ang="0">
+                <a:pos x="connsiteX182" y="connsiteY182"/>
+              </a:cxn>
+              <a:cxn ang="0">
+                <a:pos x="connsiteX183" y="connsiteY183"/>
+              </a:cxn>
+              <a:cxn ang="0">
+                <a:pos x="connsiteX184" y="connsiteY184"/>
+              </a:cxn>
+              <a:cxn ang="0">
+                <a:pos x="connsiteX185" y="connsiteY185"/>
+              </a:cxn>
+              <a:cxn ang="0">
+                <a:pos x="connsiteX186" y="connsiteY186"/>
+              </a:cxn>
+              <a:cxn ang="0">
+                <a:pos x="connsiteX187" y="connsiteY187"/>
+              </a:cxn>
+              <a:cxn ang="0">
+                <a:pos x="connsiteX188" y="connsiteY188"/>
+              </a:cxn>
+              <a:cxn ang="0">
+                <a:pos x="connsiteX189" y="connsiteY189"/>
+              </a:cxn>
+              <a:cxn ang="0">
+                <a:pos x="connsiteX190" y="connsiteY190"/>
+              </a:cxn>
+              <a:cxn ang="0">
+                <a:pos x="connsiteX191" y="connsiteY191"/>
+              </a:cxn>
+              <a:cxn ang="0">
+                <a:pos x="connsiteX192" y="connsiteY192"/>
+              </a:cxn>
+              <a:cxn ang="0">
+                <a:pos x="connsiteX193" y="connsiteY193"/>
+              </a:cxn>
+              <a:cxn ang="0">
+                <a:pos x="connsiteX194" y="connsiteY194"/>
+              </a:cxn>
+              <a:cxn ang="0">
+                <a:pos x="connsiteX195" y="connsiteY195"/>
+              </a:cxn>
+              <a:cxn ang="0">
+                <a:pos x="connsiteX196" y="connsiteY196"/>
+              </a:cxn>
+              <a:cxn ang="0">
+                <a:pos x="connsiteX197" y="connsiteY197"/>
+              </a:cxn>
+              <a:cxn ang="0">
+                <a:pos x="connsiteX198" y="connsiteY198"/>
+              </a:cxn>
+              <a:cxn ang="0">
+                <a:pos x="connsiteX199" y="connsiteY199"/>
+              </a:cxn>
+              <a:cxn ang="0">
+                <a:pos x="connsiteX200" y="connsiteY200"/>
+              </a:cxn>
+              <a:cxn ang="0">
+                <a:pos x="connsiteX201" y="connsiteY201"/>
+              </a:cxn>
+              <a:cxn ang="0">
+                <a:pos x="connsiteX202" y="connsiteY202"/>
+              </a:cxn>
+              <a:cxn ang="0">
+                <a:pos x="connsiteX203" y="connsiteY203"/>
+              </a:cxn>
+              <a:cxn ang="0">
+                <a:pos x="connsiteX204" y="connsiteY204"/>
+              </a:cxn>
+              <a:cxn ang="0">
+                <a:pos x="connsiteX205" y="connsiteY205"/>
+              </a:cxn>
+              <a:cxn ang="0">
+                <a:pos x="connsiteX206" y="connsiteY206"/>
+              </a:cxn>
+              <a:cxn ang="0">
+                <a:pos x="connsiteX207" y="connsiteY207"/>
+              </a:cxn>
+              <a:cxn ang="0">
+                <a:pos x="connsiteX208" y="connsiteY208"/>
+              </a:cxn>
+              <a:cxn ang="0">
+                <a:pos x="connsiteX209" y="connsiteY209"/>
+              </a:cxn>
+              <a:cxn ang="0">
+                <a:pos x="connsiteX210" y="connsiteY210"/>
+              </a:cxn>
+              <a:cxn ang="0">
+                <a:pos x="connsiteX211" y="connsiteY211"/>
+              </a:cxn>
+              <a:cxn ang="0">
+                <a:pos x="connsiteX212" y="connsiteY212"/>
+              </a:cxn>
+              <a:cxn ang="0">
+                <a:pos x="connsiteX213" y="connsiteY213"/>
+              </a:cxn>
+              <a:cxn ang="0">
+                <a:pos x="connsiteX214" y="connsiteY214"/>
+              </a:cxn>
+              <a:cxn ang="0">
+                <a:pos x="connsiteX215" y="connsiteY215"/>
+              </a:cxn>
+              <a:cxn ang="0">
+                <a:pos x="connsiteX216" y="connsiteY216"/>
+              </a:cxn>
+              <a:cxn ang="0">
+                <a:pos x="connsiteX217" y="connsiteY217"/>
+              </a:cxn>
+              <a:cxn ang="0">
+                <a:pos x="connsiteX218" y="connsiteY218"/>
+              </a:cxn>
+              <a:cxn ang="0">
+                <a:pos x="connsiteX219" y="connsiteY219"/>
+              </a:cxn>
+              <a:cxn ang="0">
+                <a:pos x="connsiteX220" y="connsiteY220"/>
+              </a:cxn>
+              <a:cxn ang="0">
+                <a:pos x="connsiteX221" y="connsiteY221"/>
+              </a:cxn>
+              <a:cxn ang="0">
+                <a:pos x="connsiteX222" y="connsiteY222"/>
+              </a:cxn>
+              <a:cxn ang="0">
+                <a:pos x="connsiteX223" y="connsiteY223"/>
+              </a:cxn>
+              <a:cxn ang="0">
+                <a:pos x="connsiteX224" y="connsiteY224"/>
+              </a:cxn>
+              <a:cxn ang="0">
+                <a:pos x="connsiteX225" y="connsiteY225"/>
+              </a:cxn>
+              <a:cxn ang="0">
+                <a:pos x="connsiteX226" y="connsiteY226"/>
+              </a:cxn>
+              <a:cxn ang="0">
+                <a:pos x="connsiteX227" y="connsiteY227"/>
+              </a:cxn>
+              <a:cxn ang="0">
+                <a:pos x="connsiteX228" y="connsiteY228"/>
+              </a:cxn>
+              <a:cxn ang="0">
+                <a:pos x="connsiteX229" y="connsiteY229"/>
+              </a:cxn>
+              <a:cxn ang="0">
+                <a:pos x="connsiteX230" y="connsiteY230"/>
+              </a:cxn>
+              <a:cxn ang="0">
+                <a:pos x="connsiteX231" y="connsiteY231"/>
+              </a:cxn>
+              <a:cxn ang="0">
+                <a:pos x="connsiteX232" y="connsiteY232"/>
+              </a:cxn>
+              <a:cxn ang="0">
+                <a:pos x="connsiteX233" y="connsiteY233"/>
+              </a:cxn>
+              <a:cxn ang="0">
+                <a:pos x="connsiteX234" y="connsiteY234"/>
+              </a:cxn>
+              <a:cxn ang="0">
+                <a:pos x="connsiteX235" y="connsiteY235"/>
+              </a:cxn>
+              <a:cxn ang="0">
+                <a:pos x="connsiteX236" y="connsiteY236"/>
+              </a:cxn>
+              <a:cxn ang="0">
+                <a:pos x="connsiteX237" y="connsiteY237"/>
+              </a:cxn>
+              <a:cxn ang="0">
+                <a:pos x="connsiteX238" y="connsiteY238"/>
+              </a:cxn>
+              <a:cxn ang="0">
+                <a:pos x="connsiteX239" y="connsiteY239"/>
+              </a:cxn>
+              <a:cxn ang="0">
+                <a:pos x="connsiteX240" y="connsiteY240"/>
+              </a:cxn>
+              <a:cxn ang="0">
+                <a:pos x="connsiteX241" y="connsiteY241"/>
+              </a:cxn>
+              <a:cxn ang="0">
+                <a:pos x="connsiteX242" y="connsiteY242"/>
+              </a:cxn>
+              <a:cxn ang="0">
+                <a:pos x="connsiteX243" y="connsiteY243"/>
+              </a:cxn>
+              <a:cxn ang="0">
+                <a:pos x="connsiteX244" y="connsiteY244"/>
+              </a:cxn>
+              <a:cxn ang="0">
+                <a:pos x="connsiteX245" y="connsiteY245"/>
+              </a:cxn>
+              <a:cxn ang="0">
+                <a:pos x="connsiteX246" y="connsiteY246"/>
+              </a:cxn>
+              <a:cxn ang="0">
+                <a:pos x="connsiteX247" y="connsiteY247"/>
+              </a:cxn>
+              <a:cxn ang="0">
+                <a:pos x="connsiteX248" y="connsiteY248"/>
+              </a:cxn>
+              <a:cxn ang="0">
+                <a:pos x="connsiteX249" y="connsiteY249"/>
+              </a:cxn>
+              <a:cxn ang="0">
+                <a:pos x="connsiteX250" y="connsiteY250"/>
+              </a:cxn>
+              <a:cxn ang="0">
+                <a:pos x="connsiteX251" y="connsiteY251"/>
+              </a:cxn>
+              <a:cxn ang="0">
+                <a:pos x="connsiteX252" y="connsiteY252"/>
+              </a:cxn>
+              <a:cxn ang="0">
+                <a:pos x="connsiteX253" y="connsiteY253"/>
+              </a:cxn>
+              <a:cxn ang="0">
+                <a:pos x="connsiteX254" y="connsiteY254"/>
+              </a:cxn>
+              <a:cxn ang="0">
+                <a:pos x="connsiteX255" y="connsiteY255"/>
+              </a:cxn>
+              <a:cxn ang="0">
+                <a:pos x="connsiteX256" y="connsiteY256"/>
+              </a:cxn>
+            </a:cxnLst>
+            <a:rect l="l" t="t" r="r" b="b"/>
+            <a:pathLst>
+              <a:path w="12192000" h="1787292">
+                <a:moveTo>
+                  <a:pt x="619389" y="0"/>
+                </a:moveTo>
+                <a:lnTo>
+                  <a:pt x="687652" y="3175"/>
+                </a:lnTo>
+                <a:lnTo>
+                  <a:pt x="747977" y="9525"/>
+                </a:lnTo>
+                <a:lnTo>
+                  <a:pt x="800364" y="20637"/>
+                </a:lnTo>
+                <a:lnTo>
+                  <a:pt x="846402" y="36512"/>
+                </a:lnTo>
+                <a:lnTo>
+                  <a:pt x="887677" y="52387"/>
+                </a:lnTo>
+                <a:lnTo>
+                  <a:pt x="924189" y="68262"/>
+                </a:lnTo>
+                <a:lnTo>
+                  <a:pt x="962289" y="87312"/>
+                </a:lnTo>
+                <a:lnTo>
+                  <a:pt x="1000389" y="106362"/>
+                </a:lnTo>
+                <a:lnTo>
+                  <a:pt x="1036902" y="125412"/>
+                </a:lnTo>
+                <a:lnTo>
+                  <a:pt x="1078177" y="141287"/>
+                </a:lnTo>
+                <a:lnTo>
+                  <a:pt x="1124214" y="155575"/>
+                </a:lnTo>
+                <a:lnTo>
+                  <a:pt x="1176602" y="166687"/>
+                </a:lnTo>
+                <a:lnTo>
+                  <a:pt x="1236927" y="174625"/>
+                </a:lnTo>
+                <a:lnTo>
+                  <a:pt x="1305189" y="176212"/>
+                </a:lnTo>
+                <a:lnTo>
+                  <a:pt x="1373452" y="174625"/>
+                </a:lnTo>
+                <a:lnTo>
+                  <a:pt x="1433777" y="166687"/>
+                </a:lnTo>
+                <a:lnTo>
+                  <a:pt x="1486164" y="155575"/>
+                </a:lnTo>
+                <a:lnTo>
+                  <a:pt x="1532202" y="141287"/>
+                </a:lnTo>
+                <a:lnTo>
+                  <a:pt x="1573477" y="125412"/>
+                </a:lnTo>
+                <a:lnTo>
+                  <a:pt x="1609989" y="106362"/>
+                </a:lnTo>
+                <a:lnTo>
+                  <a:pt x="1648089" y="87312"/>
+                </a:lnTo>
+                <a:lnTo>
+                  <a:pt x="1686189" y="68262"/>
+                </a:lnTo>
+                <a:lnTo>
+                  <a:pt x="1722702" y="52387"/>
+                </a:lnTo>
+                <a:lnTo>
+                  <a:pt x="1763977" y="36512"/>
+                </a:lnTo>
+                <a:lnTo>
+                  <a:pt x="1810014" y="20637"/>
+                </a:lnTo>
+                <a:lnTo>
+                  <a:pt x="1862402" y="9525"/>
+                </a:lnTo>
+                <a:lnTo>
+                  <a:pt x="1922727" y="3175"/>
+                </a:lnTo>
+                <a:lnTo>
+                  <a:pt x="1990989" y="0"/>
+                </a:lnTo>
+                <a:lnTo>
+                  <a:pt x="2059252" y="3175"/>
+                </a:lnTo>
+                <a:lnTo>
+                  <a:pt x="2119577" y="9525"/>
+                </a:lnTo>
+                <a:lnTo>
+                  <a:pt x="2171964" y="20637"/>
+                </a:lnTo>
+                <a:lnTo>
+                  <a:pt x="2218002" y="36512"/>
+                </a:lnTo>
+                <a:lnTo>
+                  <a:pt x="2259277" y="52387"/>
+                </a:lnTo>
+                <a:lnTo>
+                  <a:pt x="2295789" y="68262"/>
+                </a:lnTo>
+                <a:lnTo>
+                  <a:pt x="2333889" y="87312"/>
+                </a:lnTo>
+                <a:lnTo>
+                  <a:pt x="2371989" y="106362"/>
+                </a:lnTo>
+                <a:lnTo>
+                  <a:pt x="2408502" y="125412"/>
+                </a:lnTo>
+                <a:lnTo>
+                  <a:pt x="2449777" y="141287"/>
+                </a:lnTo>
+                <a:lnTo>
+                  <a:pt x="2495814" y="155575"/>
+                </a:lnTo>
+                <a:lnTo>
+                  <a:pt x="2548202" y="166687"/>
+                </a:lnTo>
+                <a:lnTo>
+                  <a:pt x="2608527" y="174625"/>
+                </a:lnTo>
+                <a:lnTo>
+                  <a:pt x="2676789" y="176212"/>
+                </a:lnTo>
+                <a:lnTo>
+                  <a:pt x="2745052" y="174625"/>
+                </a:lnTo>
+                <a:lnTo>
+                  <a:pt x="2805377" y="166687"/>
+                </a:lnTo>
+                <a:lnTo>
+                  <a:pt x="2857764" y="155575"/>
+                </a:lnTo>
+                <a:lnTo>
+                  <a:pt x="2903802" y="141287"/>
+                </a:lnTo>
+                <a:lnTo>
+                  <a:pt x="2945077" y="125412"/>
+                </a:lnTo>
+                <a:lnTo>
+                  <a:pt x="2981589" y="106362"/>
+                </a:lnTo>
+                <a:lnTo>
+                  <a:pt x="3019689" y="87312"/>
+                </a:lnTo>
+                <a:lnTo>
+                  <a:pt x="3057789" y="68262"/>
+                </a:lnTo>
+                <a:lnTo>
+                  <a:pt x="3094302" y="52387"/>
+                </a:lnTo>
+                <a:lnTo>
+                  <a:pt x="3135577" y="36512"/>
+                </a:lnTo>
+                <a:lnTo>
+                  <a:pt x="3181614" y="20637"/>
+                </a:lnTo>
+                <a:lnTo>
+                  <a:pt x="3234002" y="9525"/>
+                </a:lnTo>
+                <a:lnTo>
+                  <a:pt x="3294327" y="3175"/>
+                </a:lnTo>
+                <a:lnTo>
+                  <a:pt x="3361002" y="0"/>
+                </a:lnTo>
+                <a:lnTo>
+                  <a:pt x="3430852" y="3175"/>
+                </a:lnTo>
+                <a:lnTo>
+                  <a:pt x="3491177" y="9525"/>
+                </a:lnTo>
+                <a:lnTo>
+                  <a:pt x="3543564" y="20637"/>
+                </a:lnTo>
+                <a:lnTo>
+                  <a:pt x="3589602" y="36512"/>
+                </a:lnTo>
+                <a:lnTo>
+                  <a:pt x="3630877" y="52387"/>
+                </a:lnTo>
+                <a:lnTo>
+                  <a:pt x="3667389" y="68262"/>
+                </a:lnTo>
+                <a:lnTo>
+                  <a:pt x="3705489" y="87312"/>
+                </a:lnTo>
+                <a:lnTo>
+                  <a:pt x="3743589" y="106362"/>
+                </a:lnTo>
+                <a:lnTo>
+                  <a:pt x="3780102" y="125412"/>
+                </a:lnTo>
+                <a:lnTo>
+                  <a:pt x="3821377" y="141287"/>
+                </a:lnTo>
+                <a:lnTo>
+                  <a:pt x="3867414" y="155575"/>
+                </a:lnTo>
+                <a:lnTo>
+                  <a:pt x="3919802" y="166687"/>
+                </a:lnTo>
+                <a:lnTo>
+                  <a:pt x="3980127" y="174625"/>
+                </a:lnTo>
+                <a:lnTo>
+                  <a:pt x="4048389" y="176212"/>
+                </a:lnTo>
+                <a:lnTo>
+                  <a:pt x="4116652" y="174625"/>
+                </a:lnTo>
+                <a:lnTo>
+                  <a:pt x="4176977" y="166687"/>
+                </a:lnTo>
+                <a:lnTo>
+                  <a:pt x="4229364" y="155575"/>
+                </a:lnTo>
+                <a:lnTo>
+                  <a:pt x="4275402" y="141287"/>
+                </a:lnTo>
+                <a:lnTo>
+                  <a:pt x="4316677" y="125412"/>
+                </a:lnTo>
+                <a:lnTo>
+                  <a:pt x="4353189" y="106362"/>
+                </a:lnTo>
+                <a:lnTo>
+                  <a:pt x="4429389" y="68262"/>
+                </a:lnTo>
+                <a:lnTo>
+                  <a:pt x="4465902" y="52387"/>
+                </a:lnTo>
+                <a:lnTo>
+                  <a:pt x="4507177" y="36512"/>
+                </a:lnTo>
+                <a:lnTo>
+                  <a:pt x="4553214" y="20637"/>
+                </a:lnTo>
+                <a:lnTo>
+                  <a:pt x="4605602" y="9525"/>
+                </a:lnTo>
+                <a:lnTo>
+                  <a:pt x="4665928" y="3175"/>
+                </a:lnTo>
+                <a:lnTo>
+                  <a:pt x="4734189" y="0"/>
+                </a:lnTo>
+                <a:lnTo>
+                  <a:pt x="4802453" y="3175"/>
+                </a:lnTo>
+                <a:lnTo>
+                  <a:pt x="4862777" y="9525"/>
+                </a:lnTo>
+                <a:lnTo>
+                  <a:pt x="4915165" y="20637"/>
+                </a:lnTo>
+                <a:lnTo>
+                  <a:pt x="4961201" y="36512"/>
+                </a:lnTo>
+                <a:lnTo>
+                  <a:pt x="5002476" y="52387"/>
+                </a:lnTo>
+                <a:lnTo>
+                  <a:pt x="5038989" y="68262"/>
+                </a:lnTo>
+                <a:lnTo>
+                  <a:pt x="5077089" y="87312"/>
+                </a:lnTo>
+                <a:lnTo>
+                  <a:pt x="5115189" y="106362"/>
+                </a:lnTo>
+                <a:lnTo>
+                  <a:pt x="5151701" y="125412"/>
+                </a:lnTo>
+                <a:lnTo>
+                  <a:pt x="5192976" y="141287"/>
+                </a:lnTo>
+                <a:lnTo>
+                  <a:pt x="5239014" y="155575"/>
+                </a:lnTo>
+                <a:lnTo>
+                  <a:pt x="5291401" y="166687"/>
+                </a:lnTo>
+                <a:lnTo>
+                  <a:pt x="5351727" y="174625"/>
+                </a:lnTo>
+                <a:lnTo>
+                  <a:pt x="5410199" y="175985"/>
+                </a:lnTo>
+                <a:lnTo>
+                  <a:pt x="5468671" y="174625"/>
+                </a:lnTo>
+                <a:lnTo>
+                  <a:pt x="5528996" y="166687"/>
+                </a:lnTo>
+                <a:lnTo>
+                  <a:pt x="5581383" y="155575"/>
+                </a:lnTo>
+                <a:lnTo>
+                  <a:pt x="5627421" y="141287"/>
+                </a:lnTo>
+                <a:lnTo>
+                  <a:pt x="5668696" y="125412"/>
+                </a:lnTo>
+                <a:lnTo>
+                  <a:pt x="5705209" y="106362"/>
+                </a:lnTo>
+                <a:lnTo>
+                  <a:pt x="5743308" y="87312"/>
+                </a:lnTo>
+                <a:lnTo>
+                  <a:pt x="5781408" y="68262"/>
+                </a:lnTo>
+                <a:lnTo>
+                  <a:pt x="5817921" y="52387"/>
+                </a:lnTo>
+                <a:lnTo>
+                  <a:pt x="5859196" y="36512"/>
+                </a:lnTo>
+                <a:lnTo>
+                  <a:pt x="5905234" y="20637"/>
+                </a:lnTo>
+                <a:lnTo>
+                  <a:pt x="5957621" y="9525"/>
+                </a:lnTo>
+                <a:lnTo>
+                  <a:pt x="6017947" y="3175"/>
+                </a:lnTo>
+                <a:lnTo>
+                  <a:pt x="6086208" y="0"/>
+                </a:lnTo>
+                <a:lnTo>
+                  <a:pt x="6095999" y="455"/>
+                </a:lnTo>
+                <a:lnTo>
+                  <a:pt x="6105789" y="0"/>
+                </a:lnTo>
+                <a:lnTo>
+                  <a:pt x="6174052" y="3175"/>
+                </a:lnTo>
+                <a:lnTo>
+                  <a:pt x="6234377" y="9525"/>
+                </a:lnTo>
+                <a:lnTo>
+                  <a:pt x="6286764" y="20637"/>
+                </a:lnTo>
+                <a:lnTo>
+                  <a:pt x="6332802" y="36512"/>
+                </a:lnTo>
+                <a:lnTo>
+                  <a:pt x="6374077" y="52387"/>
+                </a:lnTo>
+                <a:lnTo>
+                  <a:pt x="6410589" y="68262"/>
+                </a:lnTo>
+                <a:lnTo>
+                  <a:pt x="6448689" y="87312"/>
+                </a:lnTo>
+                <a:lnTo>
+                  <a:pt x="6486789" y="106362"/>
+                </a:lnTo>
+                <a:lnTo>
+                  <a:pt x="6523302" y="125412"/>
+                </a:lnTo>
+                <a:lnTo>
+                  <a:pt x="6564577" y="141287"/>
+                </a:lnTo>
+                <a:lnTo>
+                  <a:pt x="6610614" y="155575"/>
+                </a:lnTo>
+                <a:lnTo>
+                  <a:pt x="6663002" y="166687"/>
+                </a:lnTo>
+                <a:lnTo>
+                  <a:pt x="6723327" y="174625"/>
+                </a:lnTo>
+                <a:lnTo>
+                  <a:pt x="6781799" y="175985"/>
+                </a:lnTo>
+                <a:lnTo>
+                  <a:pt x="6840271" y="174625"/>
+                </a:lnTo>
+                <a:lnTo>
+                  <a:pt x="6900596" y="166687"/>
+                </a:lnTo>
+                <a:lnTo>
+                  <a:pt x="6952983" y="155575"/>
+                </a:lnTo>
+                <a:lnTo>
+                  <a:pt x="6999021" y="141287"/>
+                </a:lnTo>
+                <a:lnTo>
+                  <a:pt x="7040296" y="125412"/>
+                </a:lnTo>
+                <a:lnTo>
+                  <a:pt x="7076808" y="106362"/>
+                </a:lnTo>
+                <a:lnTo>
+                  <a:pt x="7114908" y="87312"/>
+                </a:lnTo>
+                <a:lnTo>
+                  <a:pt x="7153008" y="68262"/>
+                </a:lnTo>
+                <a:lnTo>
+                  <a:pt x="7189521" y="52387"/>
+                </a:lnTo>
+                <a:lnTo>
+                  <a:pt x="7230796" y="36512"/>
+                </a:lnTo>
+                <a:lnTo>
+                  <a:pt x="7276833" y="20637"/>
+                </a:lnTo>
+                <a:lnTo>
+                  <a:pt x="7329221" y="9525"/>
+                </a:lnTo>
+                <a:lnTo>
+                  <a:pt x="7389546" y="3175"/>
+                </a:lnTo>
+                <a:lnTo>
+                  <a:pt x="7457808" y="0"/>
+                </a:lnTo>
+                <a:lnTo>
+                  <a:pt x="7526071" y="3175"/>
+                </a:lnTo>
+                <a:lnTo>
+                  <a:pt x="7586396" y="9525"/>
+                </a:lnTo>
+                <a:lnTo>
+                  <a:pt x="7638783" y="20637"/>
+                </a:lnTo>
+                <a:lnTo>
+                  <a:pt x="7684821" y="36512"/>
+                </a:lnTo>
+                <a:lnTo>
+                  <a:pt x="7726096" y="52387"/>
+                </a:lnTo>
+                <a:lnTo>
+                  <a:pt x="7762608" y="68262"/>
+                </a:lnTo>
+                <a:lnTo>
+                  <a:pt x="7800708" y="87312"/>
+                </a:lnTo>
+                <a:lnTo>
+                  <a:pt x="7838808" y="106362"/>
+                </a:lnTo>
+                <a:lnTo>
+                  <a:pt x="7875321" y="125412"/>
+                </a:lnTo>
+                <a:lnTo>
+                  <a:pt x="7916596" y="141287"/>
+                </a:lnTo>
+                <a:lnTo>
+                  <a:pt x="7962633" y="155575"/>
+                </a:lnTo>
+                <a:lnTo>
+                  <a:pt x="8015021" y="166687"/>
+                </a:lnTo>
+                <a:lnTo>
+                  <a:pt x="8075346" y="174625"/>
+                </a:lnTo>
+                <a:lnTo>
+                  <a:pt x="8143608" y="176212"/>
+                </a:lnTo>
+                <a:lnTo>
+                  <a:pt x="8211871" y="174625"/>
+                </a:lnTo>
+                <a:lnTo>
+                  <a:pt x="8272196" y="166687"/>
+                </a:lnTo>
+                <a:lnTo>
+                  <a:pt x="8324583" y="155575"/>
+                </a:lnTo>
+                <a:lnTo>
+                  <a:pt x="8370621" y="141287"/>
+                </a:lnTo>
+                <a:lnTo>
+                  <a:pt x="8411896" y="125412"/>
+                </a:lnTo>
+                <a:lnTo>
+                  <a:pt x="8448408" y="106362"/>
+                </a:lnTo>
+                <a:lnTo>
+                  <a:pt x="8486508" y="87312"/>
+                </a:lnTo>
+                <a:lnTo>
+                  <a:pt x="8524608" y="68262"/>
+                </a:lnTo>
+                <a:lnTo>
+                  <a:pt x="8561120" y="52387"/>
+                </a:lnTo>
+                <a:lnTo>
+                  <a:pt x="8602396" y="36512"/>
+                </a:lnTo>
+                <a:lnTo>
+                  <a:pt x="8648432" y="20637"/>
+                </a:lnTo>
+                <a:lnTo>
+                  <a:pt x="8700820" y="9525"/>
+                </a:lnTo>
+                <a:lnTo>
+                  <a:pt x="8761146" y="3175"/>
+                </a:lnTo>
+                <a:lnTo>
+                  <a:pt x="8827820" y="0"/>
+                </a:lnTo>
+                <a:lnTo>
+                  <a:pt x="8897670" y="3175"/>
+                </a:lnTo>
+                <a:lnTo>
+                  <a:pt x="8957996" y="9525"/>
+                </a:lnTo>
+                <a:lnTo>
+                  <a:pt x="9010382" y="20637"/>
+                </a:lnTo>
+                <a:lnTo>
+                  <a:pt x="9056420" y="36512"/>
+                </a:lnTo>
+                <a:lnTo>
+                  <a:pt x="9097696" y="52387"/>
+                </a:lnTo>
+                <a:lnTo>
+                  <a:pt x="9134208" y="68262"/>
+                </a:lnTo>
+                <a:lnTo>
+                  <a:pt x="9172308" y="87312"/>
+                </a:lnTo>
+                <a:lnTo>
+                  <a:pt x="9210408" y="106362"/>
+                </a:lnTo>
+                <a:lnTo>
+                  <a:pt x="9246920" y="125412"/>
+                </a:lnTo>
+                <a:lnTo>
+                  <a:pt x="9288196" y="141287"/>
+                </a:lnTo>
+                <a:lnTo>
+                  <a:pt x="9334232" y="155575"/>
+                </a:lnTo>
+                <a:lnTo>
+                  <a:pt x="9386620" y="166687"/>
+                </a:lnTo>
+                <a:lnTo>
+                  <a:pt x="9446946" y="174625"/>
+                </a:lnTo>
+                <a:lnTo>
+                  <a:pt x="9515208" y="176212"/>
+                </a:lnTo>
+                <a:lnTo>
+                  <a:pt x="9583470" y="174625"/>
+                </a:lnTo>
+                <a:lnTo>
+                  <a:pt x="9643796" y="166687"/>
+                </a:lnTo>
+                <a:lnTo>
+                  <a:pt x="9696182" y="155575"/>
+                </a:lnTo>
+                <a:lnTo>
+                  <a:pt x="9742220" y="141287"/>
+                </a:lnTo>
+                <a:lnTo>
+                  <a:pt x="9783496" y="125412"/>
+                </a:lnTo>
+                <a:lnTo>
+                  <a:pt x="9820008" y="106362"/>
+                </a:lnTo>
+                <a:lnTo>
+                  <a:pt x="9896208" y="68262"/>
+                </a:lnTo>
+                <a:lnTo>
+                  <a:pt x="9932720" y="52387"/>
+                </a:lnTo>
+                <a:lnTo>
+                  <a:pt x="9973996" y="36512"/>
+                </a:lnTo>
+                <a:lnTo>
+                  <a:pt x="10020032" y="20637"/>
+                </a:lnTo>
+                <a:lnTo>
+                  <a:pt x="10072420" y="9525"/>
+                </a:lnTo>
+                <a:lnTo>
+                  <a:pt x="10132746" y="3175"/>
+                </a:lnTo>
+                <a:lnTo>
+                  <a:pt x="10201008" y="0"/>
+                </a:lnTo>
+                <a:lnTo>
+                  <a:pt x="10269270" y="3175"/>
+                </a:lnTo>
+                <a:lnTo>
+                  <a:pt x="10329596" y="9525"/>
+                </a:lnTo>
+                <a:lnTo>
+                  <a:pt x="10381982" y="20637"/>
+                </a:lnTo>
+                <a:lnTo>
+                  <a:pt x="10428020" y="36512"/>
+                </a:lnTo>
+                <a:lnTo>
+                  <a:pt x="10469296" y="52387"/>
+                </a:lnTo>
+                <a:lnTo>
+                  <a:pt x="10505808" y="68262"/>
+                </a:lnTo>
+                <a:lnTo>
+                  <a:pt x="10543908" y="87312"/>
+                </a:lnTo>
+                <a:lnTo>
+                  <a:pt x="10582008" y="106362"/>
+                </a:lnTo>
+                <a:lnTo>
+                  <a:pt x="10618520" y="125412"/>
+                </a:lnTo>
+                <a:lnTo>
+                  <a:pt x="10659796" y="141287"/>
+                </a:lnTo>
+                <a:lnTo>
+                  <a:pt x="10705832" y="155575"/>
+                </a:lnTo>
+                <a:lnTo>
+                  <a:pt x="10758220" y="166687"/>
+                </a:lnTo>
+                <a:lnTo>
+                  <a:pt x="10818546" y="174625"/>
+                </a:lnTo>
+                <a:lnTo>
+                  <a:pt x="10886808" y="176212"/>
+                </a:lnTo>
+                <a:lnTo>
+                  <a:pt x="10955070" y="174625"/>
+                </a:lnTo>
+                <a:lnTo>
+                  <a:pt x="11015396" y="166687"/>
+                </a:lnTo>
+                <a:lnTo>
+                  <a:pt x="11067782" y="155575"/>
+                </a:lnTo>
+                <a:lnTo>
+                  <a:pt x="11113820" y="141287"/>
+                </a:lnTo>
+                <a:lnTo>
+                  <a:pt x="11155096" y="125412"/>
+                </a:lnTo>
+                <a:lnTo>
+                  <a:pt x="11191608" y="106362"/>
+                </a:lnTo>
+                <a:lnTo>
+                  <a:pt x="11229708" y="87312"/>
+                </a:lnTo>
+                <a:lnTo>
+                  <a:pt x="11267808" y="68262"/>
+                </a:lnTo>
+                <a:lnTo>
+                  <a:pt x="11304320" y="52387"/>
+                </a:lnTo>
+                <a:lnTo>
+                  <a:pt x="11345596" y="36512"/>
+                </a:lnTo>
+                <a:lnTo>
+                  <a:pt x="11391632" y="20637"/>
+                </a:lnTo>
+                <a:lnTo>
+                  <a:pt x="11444020" y="9525"/>
+                </a:lnTo>
+                <a:lnTo>
+                  <a:pt x="11504346" y="3175"/>
+                </a:lnTo>
+                <a:lnTo>
+                  <a:pt x="11572608" y="0"/>
+                </a:lnTo>
+                <a:lnTo>
+                  <a:pt x="11640870" y="3175"/>
+                </a:lnTo>
+                <a:lnTo>
+                  <a:pt x="11701196" y="9525"/>
+                </a:lnTo>
+                <a:lnTo>
+                  <a:pt x="11753582" y="20637"/>
+                </a:lnTo>
+                <a:lnTo>
+                  <a:pt x="11799620" y="36512"/>
+                </a:lnTo>
+                <a:lnTo>
+                  <a:pt x="11840896" y="52387"/>
+                </a:lnTo>
+                <a:lnTo>
+                  <a:pt x="11877408" y="68262"/>
+                </a:lnTo>
+                <a:lnTo>
+                  <a:pt x="11915508" y="87312"/>
+                </a:lnTo>
+                <a:lnTo>
+                  <a:pt x="11953608" y="106362"/>
+                </a:lnTo>
+                <a:lnTo>
+                  <a:pt x="11990120" y="125412"/>
+                </a:lnTo>
+                <a:lnTo>
+                  <a:pt x="12031396" y="141287"/>
+                </a:lnTo>
+                <a:lnTo>
+                  <a:pt x="12077432" y="155575"/>
+                </a:lnTo>
+                <a:lnTo>
+                  <a:pt x="12129820" y="166688"/>
+                </a:lnTo>
+                <a:lnTo>
+                  <a:pt x="12190146" y="174625"/>
+                </a:lnTo>
+                <a:lnTo>
+                  <a:pt x="12192000" y="174668"/>
+                </a:lnTo>
+                <a:lnTo>
+                  <a:pt x="12192000" y="885826"/>
+                </a:lnTo>
+                <a:lnTo>
+                  <a:pt x="12192000" y="1787292"/>
+                </a:lnTo>
+                <a:lnTo>
+                  <a:pt x="0" y="1787292"/>
+                </a:lnTo>
+                <a:lnTo>
+                  <a:pt x="0" y="885826"/>
+                </a:lnTo>
+                <a:lnTo>
+                  <a:pt x="0" y="174668"/>
+                </a:lnTo>
+                <a:lnTo>
+                  <a:pt x="1852" y="174625"/>
+                </a:lnTo>
+                <a:lnTo>
+                  <a:pt x="62177" y="166687"/>
+                </a:lnTo>
+                <a:lnTo>
+                  <a:pt x="114564" y="155575"/>
+                </a:lnTo>
+                <a:lnTo>
+                  <a:pt x="160602" y="141287"/>
+                </a:lnTo>
+                <a:lnTo>
+                  <a:pt x="201877" y="125412"/>
+                </a:lnTo>
+                <a:lnTo>
+                  <a:pt x="238389" y="106362"/>
+                </a:lnTo>
+                <a:lnTo>
+                  <a:pt x="276489" y="87312"/>
+                </a:lnTo>
+                <a:lnTo>
+                  <a:pt x="314589" y="68262"/>
+                </a:lnTo>
+                <a:lnTo>
+                  <a:pt x="351102" y="52387"/>
+                </a:lnTo>
+                <a:lnTo>
+                  <a:pt x="392377" y="36512"/>
+                </a:lnTo>
+                <a:lnTo>
+                  <a:pt x="438414" y="20637"/>
+                </a:lnTo>
+                <a:lnTo>
+                  <a:pt x="490802" y="9525"/>
+                </a:lnTo>
+                <a:lnTo>
+                  <a:pt x="551127" y="3175"/>
+                </a:lnTo>
+                <a:close/>
+              </a:path>
+            </a:pathLst>
+          </a:custGeom>
           <a:ln>
             <a:noFill/>
           </a:ln>
@@ -21914,52 +24137,6 @@
           </a:p>
         </p:txBody>
       </p:sp>
-      <p:pic>
-        <p:nvPicPr>
-          <p:cNvPr id="9" name="Picture 6" descr="Diagram&#10;&#10;Description automatically generated">
-            <a:extLst>
-              <a:ext uri="{FF2B5EF4-FFF2-40B4-BE49-F238E27FC236}">
-                <a16:creationId xmlns:a16="http://schemas.microsoft.com/office/drawing/2014/main" id="{D1A5D452-9270-43CA-B6DF-D6AF7940FE2D}"/>
-              </a:ext>
-            </a:extLst>
-          </p:cNvPr>
-          <p:cNvPicPr>
-            <a:picLocks noChangeAspect="1" noChangeArrowheads="1"/>
-          </p:cNvPicPr>
-          <p:nvPr/>
-        </p:nvPicPr>
-        <p:blipFill rotWithShape="1">
-          <a:blip r:embed="rId2">
-            <a:alphaModFix amt="40000"/>
-            <a:extLst>
-              <a:ext uri="{28A0092B-C50C-407E-A947-70E740481C1C}">
-                <a14:useLocalDpi xmlns:a14="http://schemas.microsoft.com/office/drawing/2010/main" val="0"/>
-              </a:ext>
-            </a:extLst>
-          </a:blip>
-          <a:srcRect r="4457"/>
-          <a:stretch/>
-        </p:blipFill>
-        <p:spPr bwMode="auto">
-          <a:xfrm>
-            <a:off x="264543" y="10"/>
-            <a:ext cx="11967714" cy="6857990"/>
-          </a:xfrm>
-          <a:prstGeom prst="rect">
-            <a:avLst/>
-          </a:prstGeom>
-          <a:noFill/>
-          <a:extLst>
-            <a:ext uri="{909E8E84-426E-40DD-AFC4-6F175D3DCCD1}">
-              <a14:hiddenFill xmlns:a14="http://schemas.microsoft.com/office/drawing/2010/main">
-                <a:solidFill>
-                  <a:srgbClr val="FFFFFF"/>
-                </a:solidFill>
-              </a14:hiddenFill>
-            </a:ext>
-          </a:extLst>
-        </p:spPr>
-      </p:pic>
       <p:sp>
         <p:nvSpPr>
           <p:cNvPr id="2" name="Title 1">
@@ -21978,21 +24155,21 @@
         </p:nvSpPr>
         <p:spPr>
           <a:xfrm>
-            <a:off x="1078523" y="1098388"/>
-            <a:ext cx="10318418" cy="4394988"/>
+            <a:off x="1078523" y="5449151"/>
+            <a:ext cx="10318418" cy="523811"/>
           </a:xfrm>
         </p:spPr>
         <p:txBody>
-          <a:bodyPr vert="horz" lIns="91440" tIns="45720" rIns="91440" bIns="45720" rtlCol="0" anchor="ctr">
+          <a:bodyPr vert="horz" lIns="91440" tIns="45720" rIns="91440" bIns="45720" rtlCol="0" anchor="b">
             <a:normAutofit/>
           </a:bodyPr>
           <a:lstStyle/>
           <a:p>
             <a:pPr algn="ctr"/>
             <a:r>
-              <a:rPr lang="en-US" sz="10000" spc="800">
+              <a:rPr lang="en-US" sz="2400" spc="800">
                 <a:solidFill>
-                  <a:srgbClr val="FFFFFF"/>
+                  <a:srgbClr val="2A1A00"/>
                 </a:solidFill>
               </a:rPr>
               <a:t>F-Test</a:t>
@@ -22000,69 +24177,51 @@
           </a:p>
         </p:txBody>
       </p:sp>
-      <p:sp>
-        <p:nvSpPr>
-          <p:cNvPr id="99" name="Rectangle 98">
+      <p:pic>
+        <p:nvPicPr>
+          <p:cNvPr id="9" name="Picture 6" descr="Diagram&#10;&#10;Description automatically generated">
             <a:extLst>
               <a:ext uri="{FF2B5EF4-FFF2-40B4-BE49-F238E27FC236}">
-                <a16:creationId xmlns:a16="http://schemas.microsoft.com/office/drawing/2014/main" id="{D4A11FEA-6E98-401C-B708-DA2C95081E8F}"/>
-              </a:ext>
-              <a:ext uri="{C183D7F6-B498-43B3-948B-1728B52AA6E4}">
-                <adec:decorative xmlns:adec="http://schemas.microsoft.com/office/drawing/2017/decorative" val="1"/>
+                <a16:creationId xmlns:a16="http://schemas.microsoft.com/office/drawing/2014/main" id="{D1A5D452-9270-43CA-B6DF-D6AF7940FE2D}"/>
               </a:ext>
             </a:extLst>
           </p:cNvPr>
-          <p:cNvSpPr>
-            <a:spLocks noGrp="1" noRot="1" noChangeAspect="1" noMove="1" noResize="1" noEditPoints="1" noAdjustHandles="1" noChangeArrowheads="1" noChangeShapeType="1" noTextEdit="1"/>
-          </p:cNvSpPr>
-          <p:nvPr>
-            <p:extLst>
-              <p:ext uri="{386F3935-93C4-4BCD-93E2-E3B085C9AB24}">
-                <p16:designElem xmlns:p16="http://schemas.microsoft.com/office/powerpoint/2015/main" val="1"/>
-              </p:ext>
-            </p:extLst>
-          </p:nvPr>
-        </p:nvSpPr>
-        <p:spPr>
+          <p:cNvPicPr>
+            <a:picLocks noChangeAspect="1" noChangeArrowheads="1"/>
+          </p:cNvPicPr>
+          <p:nvPr/>
+        </p:nvPicPr>
+        <p:blipFill rotWithShape="1">
+          <a:blip r:embed="rId2">
+            <a:extLst>
+              <a:ext uri="{28A0092B-C50C-407E-A947-70E740481C1C}">
+                <a14:useLocalDpi xmlns:a14="http://schemas.microsoft.com/office/drawing/2010/main" val="0"/>
+              </a:ext>
+            </a:extLst>
+          </a:blip>
+          <a:srcRect r="4457"/>
+          <a:stretch/>
+        </p:blipFill>
+        <p:spPr bwMode="auto">
           <a:xfrm>
-            <a:off x="0" y="0"/>
-            <a:ext cx="264543" cy="6858000"/>
+            <a:off x="2670529" y="643467"/>
+            <a:ext cx="6850941" cy="3925867"/>
           </a:xfrm>
           <a:prstGeom prst="rect">
             <a:avLst/>
           </a:prstGeom>
-          <a:solidFill>
-            <a:schemeClr val="bg2"/>
-          </a:solidFill>
-          <a:ln>
-            <a:noFill/>
-          </a:ln>
+          <a:noFill/>
+          <a:extLst>
+            <a:ext uri="{909E8E84-426E-40DD-AFC4-6F175D3DCCD1}">
+              <a14:hiddenFill xmlns:a14="http://schemas.microsoft.com/office/drawing/2010/main">
+                <a:solidFill>
+                  <a:srgbClr val="FFFFFF"/>
+                </a:solidFill>
+              </a14:hiddenFill>
+            </a:ext>
+          </a:extLst>
         </p:spPr>
-        <p:style>
-          <a:lnRef idx="2">
-            <a:schemeClr val="accent1">
-              <a:shade val="50000"/>
-            </a:schemeClr>
-          </a:lnRef>
-          <a:fillRef idx="1">
-            <a:schemeClr val="accent1"/>
-          </a:fillRef>
-          <a:effectRef idx="0">
-            <a:schemeClr val="accent1"/>
-          </a:effectRef>
-          <a:fontRef idx="minor">
-            <a:schemeClr val="lt1"/>
-          </a:fontRef>
-        </p:style>
-        <p:txBody>
-          <a:bodyPr rtlCol="0" anchor="ctr"/>
-          <a:lstStyle/>
-          <a:p>
-            <a:pPr algn="ctr"/>
-            <a:endParaRPr lang="en-US"/>
-          </a:p>
-        </p:txBody>
-      </p:sp>
+      </p:pic>
     </p:spTree>
     <p:extLst>
       <p:ext uri="{BB962C8B-B14F-4D97-AF65-F5344CB8AC3E}">
@@ -22071,7 +24230,7 @@
     </p:extLst>
   </p:cSld>
   <p:clrMapOvr>
-    <a:overrideClrMapping bg1="dk1" tx1="lt1" bg2="dk2" tx2="lt2" accent1="accent1" accent2="accent2" accent3="accent3" accent4="accent4" accent5="accent5" accent6="accent6" hlink="hlink" folHlink="folHlink"/>
+    <a:overrideClrMapping bg1="lt1" tx1="dk1" bg2="lt2" tx2="dk2" accent1="accent1" accent2="accent2" accent3="accent3" accent4="accent4" accent5="accent5" accent6="accent6" hlink="hlink" folHlink="folHlink"/>
   </p:clrMapOvr>
   <p:timing>
     <p:tnLst>
@@ -22332,8 +24491,8 @@
           </a:p>
         </p:txBody>
       </p:sp>
-      <mc:AlternateContent xmlns:mc="http://schemas.openxmlformats.org/markup-compatibility/2006">
-        <mc:Choice xmlns:a14="http://schemas.microsoft.com/office/drawing/2010/main" Requires="a14">
+      <mc:AlternateContent xmlns:mc="http://schemas.openxmlformats.org/markup-compatibility/2006" xmlns:a14="http://schemas.microsoft.com/office/drawing/2010/main">
+        <mc:Choice Requires="a14">
           <p:graphicFrame>
             <p:nvGraphicFramePr>
               <p:cNvPr id="5" name="Table 5">
@@ -24015,7 +26174,7 @@
             </a:graphic>
           </p:graphicFrame>
         </mc:Choice>
-        <mc:Fallback>
+        <mc:Fallback xmlns="">
           <p:graphicFrame>
             <p:nvGraphicFramePr>
               <p:cNvPr id="5" name="Table 5">
@@ -27312,8 +29471,8 @@
           </a:p>
         </p:txBody>
       </p:sp>
-      <mc:AlternateContent xmlns:mc="http://schemas.openxmlformats.org/markup-compatibility/2006">
-        <mc:Choice xmlns:a14="http://schemas.microsoft.com/office/drawing/2010/main" Requires="a14">
+      <mc:AlternateContent xmlns:mc="http://schemas.openxmlformats.org/markup-compatibility/2006" xmlns:a14="http://schemas.microsoft.com/office/drawing/2010/main">
+        <mc:Choice Requires="a14">
           <p:graphicFrame>
             <p:nvGraphicFramePr>
               <p:cNvPr id="6" name="Content Placeholder 5">
@@ -29308,7 +31467,7 @@
             </a:graphic>
           </p:graphicFrame>
         </mc:Choice>
-        <mc:Fallback>
+        <mc:Fallback xmlns="">
           <p:graphicFrame>
             <p:nvGraphicFramePr>
               <p:cNvPr id="6" name="Content Placeholder 5">
